--- a/_ss/Define_Integration_Hub_Lib_Concept_20231201.pptx
+++ b/_ss/Define_Integration_Hub_Lib_Concept_20231201.pptx
@@ -10009,16 +10009,10 @@
               </a:rPr>
               <a:t>별도 배포 및 서버 환경 불필요</a:t>
             </a:r>
-            <a:endParaRPr kumimoji="0" lang="en-US" altLang="ko-KR" sz="1200" b="1" i="0" u="none" strike="noStrike" kern="0" cap="none" spc="0" normalizeH="0" baseline="0" noProof="0" dirty="0">
-              <a:ln>
-                <a:noFill/>
-              </a:ln>
+            <a:endParaRPr lang="en-US" altLang="ko-KR" sz="1200" b="1" kern="0" dirty="0">
               <a:solidFill>
                 <a:srgbClr val="000000"/>
               </a:solidFill>
-              <a:effectLst/>
-              <a:uLnTx/>
-              <a:uFillTx/>
               <a:latin typeface="SamsungOneKorean 700"/>
             </a:endParaRPr>
           </a:p>
@@ -10047,27 +10041,9 @@
                 </a:solidFill>
                 <a:latin typeface="SamsungOneKorean 700"/>
               </a:rPr>
-              <a:t>기존 </a:t>
-            </a:r>
-            <a:r>
-              <a:rPr lang="en-US" altLang="ko-KR" sz="1200" b="1" kern="0" dirty="0">
-                <a:solidFill>
-                  <a:srgbClr val="000000"/>
-                </a:solidFill>
-                <a:latin typeface="SamsungOneKorean 700"/>
-              </a:rPr>
-              <a:t>SAP Commerce Cloud </a:t>
-            </a:r>
-            <a:r>
-              <a:rPr lang="ko-KR" altLang="en-US" sz="1200" b="1" kern="0" dirty="0">
-                <a:solidFill>
-                  <a:srgbClr val="000000"/>
-                </a:solidFill>
-                <a:latin typeface="SamsungOneKorean 700"/>
-              </a:rPr>
-              <a:t>모니터링 및 부하 관리 환경 이용</a:t>
-            </a:r>
-            <a:endParaRPr kumimoji="0" lang="ko-KR" altLang="en-US" sz="1200" b="1" i="0" u="none" strike="noStrike" kern="0" cap="none" spc="0" normalizeH="0" baseline="0" noProof="0" dirty="0">
+              <a:t>외부 시스템정보 등의 설정 정보를 일원화하여 관리 가능</a:t>
+            </a:r>
+            <a:endParaRPr kumimoji="0" lang="en-US" altLang="ko-KR" sz="1200" b="1" i="0" u="none" strike="noStrike" kern="0" cap="none" spc="0" normalizeH="0" baseline="0" noProof="0" dirty="0">
               <a:ln>
                 <a:noFill/>
               </a:ln>
@@ -10097,7 +10073,7 @@
         <p:spPr>
           <a:xfrm>
             <a:off x="6097917" y="5645245"/>
-            <a:ext cx="3029433" cy="276999"/>
+            <a:ext cx="3029433" cy="646331"/>
           </a:xfrm>
           <a:prstGeom prst="rect">
             <a:avLst/>
@@ -10127,21 +10103,51 @@
               <a:defRPr/>
             </a:pPr>
             <a:r>
-              <a:rPr kumimoji="0" lang="ko-KR" altLang="en-US" sz="1200" b="1" i="0" u="none" strike="noStrike" kern="0" cap="none" spc="0" normalizeH="0" baseline="0" noProof="0" dirty="0">
-                <a:ln>
-                  <a:noFill/>
-                </a:ln>
+              <a:rPr lang="ko-KR" altLang="en-US" sz="1200" b="1" kern="0" dirty="0">
                 <a:solidFill>
                   <a:srgbClr val="000000"/>
                 </a:solidFill>
-                <a:effectLst/>
-                <a:uLnTx/>
-                <a:uFillTx/>
                 <a:latin typeface="SamsungOneKorean 700"/>
               </a:rPr>
-              <a:t>외부 시스템과의 설정 관리 용이</a:t>
-            </a:r>
-            <a:endParaRPr kumimoji="0" lang="en-US" altLang="ko-KR" sz="1200" b="1" i="0" u="none" strike="noStrike" kern="0" cap="none" spc="0" normalizeH="0" baseline="0" noProof="0" dirty="0">
+              <a:t>기존 어플리케이션 로깅 및 </a:t>
+            </a:r>
+            <a:r>
+              <a:rPr lang="en-US" altLang="ko-KR" sz="1200" b="1" kern="0" dirty="0">
+                <a:solidFill>
+                  <a:srgbClr val="000000"/>
+                </a:solidFill>
+                <a:latin typeface="SamsungOneKorean 700"/>
+              </a:rPr>
+              <a:t>SAP Commerce Cloud </a:t>
+            </a:r>
+            <a:r>
+              <a:rPr lang="ko-KR" altLang="en-US" sz="1200" b="1" kern="0" dirty="0">
+                <a:solidFill>
+                  <a:srgbClr val="000000"/>
+                </a:solidFill>
+                <a:latin typeface="SamsungOneKorean 700"/>
+              </a:rPr>
+              <a:t>모니터링</a:t>
+            </a:r>
+            <a:r>
+              <a:rPr lang="en-US" altLang="ko-KR" sz="1200" b="1" kern="0" dirty="0">
+                <a:solidFill>
+                  <a:srgbClr val="000000"/>
+                </a:solidFill>
+                <a:latin typeface="SamsungOneKorean 700"/>
+              </a:rPr>
+              <a:t>,</a:t>
+            </a:r>
+            <a:r>
+              <a:rPr lang="ko-KR" altLang="en-US" sz="1200" b="1" kern="0" dirty="0">
+                <a:solidFill>
+                  <a:srgbClr val="000000"/>
+                </a:solidFill>
+                <a:latin typeface="SamsungOneKorean 700"/>
+              </a:rPr>
+              <a:t> 부하 관리 환경을 이용한 운영 관리 가능</a:t>
+            </a:r>
+            <a:endParaRPr kumimoji="0" lang="ko-KR" altLang="en-US" sz="1200" b="1" i="0" u="none" strike="noStrike" kern="0" cap="none" spc="0" normalizeH="0" baseline="0" noProof="0" dirty="0">
               <a:ln>
                 <a:noFill/>
               </a:ln>
@@ -18085,25 +18091,7 @@
                 </a:solidFill>
                 <a:latin typeface="SamsungOneKorean 700"/>
               </a:rPr>
-              <a:t>. Integration</a:t>
-            </a:r>
-            <a:r>
-              <a:rPr lang="ko-KR" altLang="en-US" sz="2200" b="1" dirty="0">
-                <a:solidFill>
-                  <a:srgbClr val="7F7F7F"/>
-                </a:solidFill>
-                <a:latin typeface="SamsungOneKorean 700"/>
-              </a:rPr>
-              <a:t> </a:t>
-            </a:r>
-            <a:r>
-              <a:rPr lang="en-US" altLang="ko-KR" sz="2200" b="1" dirty="0">
-                <a:solidFill>
-                  <a:srgbClr val="7F7F7F"/>
-                </a:solidFill>
-                <a:latin typeface="SamsungOneKorean 700"/>
-              </a:rPr>
-              <a:t>Hub Lib. </a:t>
+              <a:t>. Integration </a:t>
             </a:r>
             <a:r>
               <a:rPr lang="ko-KR" altLang="en-US" sz="2200" b="1" dirty="0">
@@ -18284,7 +18272,7 @@
                 </a:solidFill>
                 <a:latin typeface="SamsungOne 400"/>
               </a:rPr>
-              <a:t> 수신 처리 </a:t>
+              <a:t> 처리 </a:t>
             </a:r>
             <a:r>
               <a:rPr lang="en-US" altLang="ko-KR" sz="1400" b="1" dirty="0">
@@ -18359,8 +18347,8 @@
         </p:nvSpPr>
         <p:spPr>
           <a:xfrm>
-            <a:off x="2993709" y="5645245"/>
-            <a:ext cx="3029433" cy="800219"/>
+            <a:off x="2993708" y="5601177"/>
+            <a:ext cx="4468724" cy="1092607"/>
           </a:xfrm>
           <a:prstGeom prst="rect">
             <a:avLst/>
@@ -18404,7 +18392,143 @@
                 <a:cs typeface="+mn-cs"/>
                 <a:sym typeface="Wingdings" pitchFamily="2" charset="2"/>
               </a:rPr>
-              <a:t>콘텐츠를 기반으로 데이터 라우팅</a:t>
+              <a:t>컴포넌트 </a:t>
+            </a:r>
+            <a:r>
+              <a:rPr kumimoji="0" lang="ko-KR" altLang="en-US" sz="1200" b="1" i="0" u="none" strike="noStrike" kern="0" cap="none" spc="0" normalizeH="0" baseline="0" noProof="0" dirty="0" err="1">
+                <a:ln>
+                  <a:noFill/>
+                </a:ln>
+                <a:solidFill>
+                  <a:srgbClr val="000000"/>
+                </a:solidFill>
+                <a:effectLst/>
+                <a:uLnTx/>
+                <a:uFillTx/>
+                <a:latin typeface="SamsungOne 400"/>
+                <a:cs typeface="+mn-cs"/>
+                <a:sym typeface="Wingdings" pitchFamily="2" charset="2"/>
+              </a:rPr>
+              <a:t>아키텍쳐</a:t>
+            </a:r>
+            <a:r>
+              <a:rPr kumimoji="0" lang="ko-KR" altLang="en-US" sz="1200" b="1" i="0" u="none" strike="noStrike" kern="0" cap="none" spc="0" normalizeH="0" baseline="0" noProof="0" dirty="0">
+                <a:ln>
+                  <a:noFill/>
+                </a:ln>
+                <a:solidFill>
+                  <a:srgbClr val="000000"/>
+                </a:solidFill>
+                <a:effectLst/>
+                <a:uLnTx/>
+                <a:uFillTx/>
+                <a:latin typeface="SamsungOne 400"/>
+                <a:cs typeface="+mn-cs"/>
+                <a:sym typeface="Wingdings" pitchFamily="2" charset="2"/>
+              </a:rPr>
+              <a:t> </a:t>
+            </a:r>
+            <a:r>
+              <a:rPr kumimoji="0" lang="en-US" altLang="ko-KR" sz="1200" b="1" i="0" u="none" strike="noStrike" kern="0" cap="none" spc="0" normalizeH="0" baseline="0" noProof="0" dirty="0">
+                <a:ln>
+                  <a:noFill/>
+                </a:ln>
+                <a:solidFill>
+                  <a:srgbClr val="000000"/>
+                </a:solidFill>
+                <a:effectLst/>
+                <a:uLnTx/>
+                <a:uFillTx/>
+                <a:latin typeface="SamsungOne 400"/>
+                <a:cs typeface="+mn-cs"/>
+                <a:sym typeface="Wingdings" pitchFamily="2" charset="2"/>
+              </a:rPr>
+              <a:t>(Component Architecture)</a:t>
+            </a:r>
+            <a:r>
+              <a:rPr kumimoji="0" lang="ko-KR" altLang="en-US" sz="1200" b="1" i="0" u="none" strike="noStrike" kern="0" cap="none" spc="0" normalizeH="0" baseline="0" noProof="0" dirty="0">
+                <a:ln>
+                  <a:noFill/>
+                </a:ln>
+                <a:solidFill>
+                  <a:srgbClr val="000000"/>
+                </a:solidFill>
+                <a:effectLst/>
+                <a:uLnTx/>
+                <a:uFillTx/>
+                <a:latin typeface="SamsungOne 400"/>
+                <a:cs typeface="+mn-cs"/>
+                <a:sym typeface="Wingdings" pitchFamily="2" charset="2"/>
+              </a:rPr>
+              <a:t>를 사용하기 때문에 데이터베이스</a:t>
+            </a:r>
+            <a:r>
+              <a:rPr kumimoji="0" lang="en-US" altLang="ko-KR" sz="1200" b="1" i="0" u="none" strike="noStrike" kern="0" cap="none" spc="0" normalizeH="0" baseline="0" noProof="0" dirty="0">
+                <a:ln>
+                  <a:noFill/>
+                </a:ln>
+                <a:solidFill>
+                  <a:srgbClr val="000000"/>
+                </a:solidFill>
+                <a:effectLst/>
+                <a:uLnTx/>
+                <a:uFillTx/>
+                <a:latin typeface="SamsungOne 400"/>
+                <a:cs typeface="+mn-cs"/>
+                <a:sym typeface="Wingdings" pitchFamily="2" charset="2"/>
+              </a:rPr>
+              <a:t>, </a:t>
+            </a:r>
+            <a:r>
+              <a:rPr kumimoji="0" lang="ko-KR" altLang="en-US" sz="1200" b="1" i="0" u="none" strike="noStrike" kern="0" cap="none" spc="0" normalizeH="0" baseline="0" noProof="0" dirty="0">
+                <a:ln>
+                  <a:noFill/>
+                </a:ln>
+                <a:solidFill>
+                  <a:srgbClr val="000000"/>
+                </a:solidFill>
+                <a:effectLst/>
+                <a:uLnTx/>
+                <a:uFillTx/>
+                <a:latin typeface="SamsungOne 400"/>
+                <a:cs typeface="+mn-cs"/>
+                <a:sym typeface="Wingdings" pitchFamily="2" charset="2"/>
+              </a:rPr>
+              <a:t>메시지 큐</a:t>
+            </a:r>
+            <a:r>
+              <a:rPr kumimoji="0" lang="en-US" altLang="ko-KR" sz="1200" b="1" i="0" u="none" strike="noStrike" kern="0" cap="none" spc="0" normalizeH="0" baseline="0" noProof="0" dirty="0">
+                <a:ln>
+                  <a:noFill/>
+                </a:ln>
+                <a:solidFill>
+                  <a:srgbClr val="000000"/>
+                </a:solidFill>
+                <a:effectLst/>
+                <a:uLnTx/>
+                <a:uFillTx/>
+                <a:latin typeface="SamsungOne 400"/>
+                <a:cs typeface="+mn-cs"/>
+                <a:sym typeface="Wingdings" pitchFamily="2" charset="2"/>
+              </a:rPr>
+              <a:t>, APIs, </a:t>
+            </a:r>
+            <a:r>
+              <a:rPr kumimoji="0" lang="ko-KR" altLang="en-US" sz="1200" b="1" i="0" u="none" strike="noStrike" kern="0" cap="none" spc="0" normalizeH="0" baseline="0" noProof="0" dirty="0">
+                <a:ln>
+                  <a:noFill/>
+                </a:ln>
+                <a:solidFill>
+                  <a:srgbClr val="000000"/>
+                </a:solidFill>
+                <a:effectLst/>
+                <a:uLnTx/>
+                <a:uFillTx/>
+                <a:latin typeface="SamsungOne 400"/>
+                <a:cs typeface="+mn-cs"/>
+                <a:sym typeface="Wingdings" pitchFamily="2" charset="2"/>
+              </a:rPr>
+              <a:t>클라우드 통합 등을 위한 컴포넌트 제공</a:t>
             </a:r>
             <a:endParaRPr kumimoji="0" lang="en-US" altLang="ko-KR" sz="1200" b="1" i="0" u="none" strike="noStrike" kern="0" cap="none" spc="0" normalizeH="0" baseline="0" noProof="0" dirty="0">
               <a:ln>
@@ -18452,169 +18576,9 @@
                 <a:uFillTx/>
                 <a:latin typeface="SamsungOne 400"/>
                 <a:cs typeface="+mn-cs"/>
-              </a:rPr>
-              <a:t>오류</a:t>
-            </a:r>
-            <a:r>
-              <a:rPr kumimoji="0" lang="en-US" altLang="ko-KR" sz="1200" b="1" i="0" u="none" strike="noStrike" kern="0" cap="none" spc="0" normalizeH="0" baseline="0" noProof="0" dirty="0">
-                <a:ln>
-                  <a:noFill/>
-                </a:ln>
-                <a:solidFill>
-                  <a:srgbClr val="000000"/>
-                </a:solidFill>
-                <a:effectLst/>
-                <a:uLnTx/>
-                <a:uFillTx/>
-                <a:latin typeface="SamsungOne 400"/>
-                <a:cs typeface="+mn-cs"/>
-              </a:rPr>
-              <a:t>, </a:t>
-            </a:r>
-            <a:r>
-              <a:rPr kumimoji="0" lang="ko-KR" altLang="en-US" sz="1200" b="1" i="0" u="none" strike="noStrike" kern="0" cap="none" spc="0" normalizeH="0" baseline="0" noProof="0" dirty="0">
-                <a:ln>
-                  <a:noFill/>
-                </a:ln>
-                <a:solidFill>
-                  <a:srgbClr val="000000"/>
-                </a:solidFill>
-                <a:effectLst/>
-                <a:uLnTx/>
-                <a:uFillTx/>
-                <a:latin typeface="SamsungOne 400"/>
-                <a:cs typeface="+mn-cs"/>
-              </a:rPr>
-              <a:t>트랜잭션 및 롤백 처리 기능</a:t>
-            </a:r>
-            <a:endParaRPr kumimoji="0" lang="en-US" altLang="ko-KR" sz="1200" b="1" i="0" u="none" strike="noStrike" kern="0" cap="none" spc="0" normalizeH="0" baseline="0" noProof="0" dirty="0">
-              <a:ln>
-                <a:noFill/>
-              </a:ln>
-              <a:solidFill>
-                <a:srgbClr val="000000"/>
-              </a:solidFill>
-              <a:effectLst/>
-              <a:uLnTx/>
-              <a:uFillTx/>
-              <a:latin typeface="SamsungOne 400"/>
-              <a:cs typeface="+mn-cs"/>
-            </a:endParaRPr>
-          </a:p>
-          <a:p>
-            <a:pPr marL="151200" marR="0" lvl="1" indent="-151200" algn="l" defTabSz="957769" rtl="0" eaLnBrk="1" fontAlgn="auto" latinLnBrk="0" hangingPunct="1">
-              <a:lnSpc>
-                <a:spcPct val="100000"/>
-              </a:lnSpc>
-              <a:spcBef>
-                <a:spcPts val="600"/>
-              </a:spcBef>
-              <a:spcAft>
-                <a:spcPts val="0"/>
-              </a:spcAft>
-              <a:buClrTx/>
-              <a:buSzTx/>
-              <a:buFont typeface="Arial" pitchFamily="34" charset="0"/>
-              <a:buChar char="•"/>
-              <a:tabLst/>
-              <a:defRPr/>
-            </a:pPr>
-            <a:r>
-              <a:rPr kumimoji="0" lang="ko-KR" altLang="en-US" sz="1200" b="1" i="0" u="none" strike="noStrike" kern="0" cap="none" spc="0" normalizeH="0" baseline="0" noProof="0" dirty="0">
-                <a:ln>
-                  <a:noFill/>
-                </a:ln>
-                <a:solidFill>
-                  <a:srgbClr val="000000"/>
-                </a:solidFill>
-                <a:effectLst/>
-                <a:uLnTx/>
-                <a:uFillTx/>
-                <a:latin typeface="SamsungOne 400"/>
-                <a:cs typeface="+mn-cs"/>
-              </a:rPr>
-              <a:t>데이터 변환 기능</a:t>
-            </a:r>
-          </a:p>
-        </p:txBody>
-      </p:sp>
-      <p:sp>
-        <p:nvSpPr>
-          <p:cNvPr id="11" name="직사각형 10">
-            <a:extLst>
-              <a:ext uri="{FF2B5EF4-FFF2-40B4-BE49-F238E27FC236}">
-                <a16:creationId xmlns:a16="http://schemas.microsoft.com/office/drawing/2014/main" id="{4FE0D145-D125-20F8-F983-55CDB78F3128}"/>
-              </a:ext>
-            </a:extLst>
-          </p:cNvPr>
-          <p:cNvSpPr/>
-          <p:nvPr/>
-        </p:nvSpPr>
-        <p:spPr>
-          <a:xfrm>
-            <a:off x="5838270" y="5645245"/>
-            <a:ext cx="3029433" cy="538609"/>
-          </a:xfrm>
-          <a:prstGeom prst="rect">
-            <a:avLst/>
-          </a:prstGeom>
-        </p:spPr>
-        <p:txBody>
-          <a:bodyPr wrap="square">
-            <a:spAutoFit/>
-          </a:bodyPr>
-          <a:lstStyle/>
-          <a:p>
-            <a:pPr marL="151200" marR="0" lvl="1" indent="-151200" algn="l" defTabSz="957769" rtl="0" eaLnBrk="1" fontAlgn="auto" latinLnBrk="0" hangingPunct="1">
-              <a:lnSpc>
-                <a:spcPct val="100000"/>
-              </a:lnSpc>
-              <a:spcBef>
-                <a:spcPts val="600"/>
-              </a:spcBef>
-              <a:spcAft>
-                <a:spcPts val="0"/>
-              </a:spcAft>
-              <a:buClrTx/>
-              <a:buSzTx/>
-              <a:buFont typeface="Arial" pitchFamily="34" charset="0"/>
-              <a:buChar char="•"/>
-              <a:tabLst/>
-              <a:defRPr/>
-            </a:pPr>
-            <a:r>
-              <a:rPr kumimoji="0" lang="ko-KR" altLang="en-US" sz="1200" b="1" i="0" u="none" strike="noStrike" kern="0" cap="none" spc="0" normalizeH="0" baseline="0" noProof="0" dirty="0">
-                <a:ln>
-                  <a:noFill/>
-                </a:ln>
-                <a:solidFill>
-                  <a:srgbClr val="000000"/>
-                </a:solidFill>
-                <a:effectLst/>
-                <a:uLnTx/>
-                <a:uFillTx/>
-                <a:latin typeface="SamsungOne 400"/>
-                <a:cs typeface="+mn-cs"/>
                 <a:sym typeface="Wingdings" pitchFamily="2" charset="2"/>
               </a:rPr>
-              <a:t>자주 액세스하는 데이터 </a:t>
-            </a:r>
-            <a:r>
-              <a:rPr kumimoji="0" lang="ko-KR" altLang="en-US" sz="1200" b="1" i="0" u="none" strike="noStrike" kern="0" cap="none" spc="0" normalizeH="0" baseline="0" noProof="0" dirty="0" err="1">
-                <a:ln>
-                  <a:noFill/>
-                </a:ln>
-                <a:solidFill>
-                  <a:srgbClr val="000000"/>
-                </a:solidFill>
-                <a:effectLst/>
-                <a:uLnTx/>
-                <a:uFillTx/>
-                <a:latin typeface="SamsungOne 400"/>
-                <a:cs typeface="+mn-cs"/>
-                <a:sym typeface="Wingdings" pitchFamily="2" charset="2"/>
-              </a:rPr>
-              <a:t>캐싱</a:t>
+              <a:t>많은 컴포넌트와 프로토콜을 지원하여 다양한 시스템 및 데이터 소스와의 통합을 간단하게 구현</a:t>
             </a:r>
             <a:endParaRPr kumimoji="0" lang="en-US" altLang="ko-KR" sz="1200" b="1" i="0" u="none" strike="noStrike" kern="0" cap="none" spc="0" normalizeH="0" baseline="0" noProof="0" dirty="0">
               <a:ln>
@@ -18629,54 +18593,6 @@
               <a:latin typeface="SamsungOne 400"/>
               <a:cs typeface="+mn-cs"/>
               <a:sym typeface="Wingdings" pitchFamily="2" charset="2"/>
-            </a:endParaRPr>
-          </a:p>
-          <a:p>
-            <a:pPr marL="151200" marR="0" lvl="1" indent="-151200" algn="l" defTabSz="957769" rtl="0" eaLnBrk="1" fontAlgn="auto" latinLnBrk="0" hangingPunct="1">
-              <a:lnSpc>
-                <a:spcPct val="100000"/>
-              </a:lnSpc>
-              <a:spcBef>
-                <a:spcPts val="600"/>
-              </a:spcBef>
-              <a:spcAft>
-                <a:spcPts val="0"/>
-              </a:spcAft>
-              <a:buClrTx/>
-              <a:buSzTx/>
-              <a:buFont typeface="Arial" pitchFamily="34" charset="0"/>
-              <a:buChar char="•"/>
-              <a:tabLst/>
-              <a:defRPr/>
-            </a:pPr>
-            <a:r>
-              <a:rPr kumimoji="0" lang="ko-KR" altLang="en-US" sz="1200" b="1" i="0" u="none" strike="noStrike" kern="0" cap="none" spc="0" normalizeH="0" baseline="0" noProof="0" dirty="0">
-                <a:ln>
-                  <a:noFill/>
-                </a:ln>
-                <a:solidFill>
-                  <a:srgbClr val="000000"/>
-                </a:solidFill>
-                <a:effectLst/>
-                <a:uLnTx/>
-                <a:uFillTx/>
-                <a:latin typeface="SamsungOne 400"/>
-                <a:cs typeface="+mn-cs"/>
-              </a:rPr>
-              <a:t>암호화 및 인증 기능</a:t>
-            </a:r>
-            <a:endParaRPr kumimoji="0" lang="en-US" altLang="ko-KR" sz="1200" b="1" i="0" u="none" strike="noStrike" kern="0" cap="none" spc="0" normalizeH="0" baseline="0" noProof="0" dirty="0">
-              <a:ln>
-                <a:noFill/>
-              </a:ln>
-              <a:solidFill>
-                <a:srgbClr val="000000"/>
-              </a:solidFill>
-              <a:effectLst/>
-              <a:uLnTx/>
-              <a:uFillTx/>
-              <a:latin typeface="SamsungOne 400"/>
-              <a:cs typeface="+mn-cs"/>
             </a:endParaRPr>
           </a:p>
         </p:txBody>
@@ -18742,48 +18658,18 @@
               <a:defRPr/>
             </a:pPr>
             <a:r>
-              <a:rPr kumimoji="0" lang="ko-KR" altLang="en-US" b="1" i="0" u="none" strike="noStrike" kern="0" cap="none" spc="0" normalizeH="0" baseline="0" noProof="0" dirty="0">
-                <a:ln>
-                  <a:noFill/>
-                </a:ln>
+              <a:rPr lang="ko-KR" altLang="en-US" b="1" kern="0" dirty="0">
                 <a:solidFill>
                   <a:srgbClr val="FFFFFF"/>
                 </a:solidFill>
-                <a:effectLst/>
-                <a:uLnTx/>
-                <a:uFillTx/>
                 <a:latin typeface="SamsungOneKorean 700"/>
               </a:rPr>
-              <a:t>패턴기반</a:t>
-            </a:r>
-            <a:r>
-              <a:rPr lang="en-US" altLang="ko-KR" b="1" kern="0" dirty="0">
-                <a:solidFill>
-                  <a:srgbClr val="FFFFFF"/>
-                </a:solidFill>
-                <a:latin typeface="SamsungOneKorean 700"/>
-              </a:rPr>
-              <a:t> </a:t>
-            </a:r>
-            <a:r>
-              <a:rPr lang="ko-KR" altLang="en-US" b="1" kern="0" dirty="0">
-                <a:solidFill>
-                  <a:srgbClr val="FFFFFF"/>
-                </a:solidFill>
-                <a:latin typeface="SamsungOneKorean 700"/>
-              </a:rPr>
-              <a:t>개발</a:t>
-            </a:r>
-            <a:endParaRPr kumimoji="0" lang="en-US" altLang="ko-KR" b="1" i="0" u="none" strike="noStrike" kern="0" cap="none" spc="0" normalizeH="0" baseline="0" noProof="0" dirty="0">
-              <a:ln>
-                <a:noFill/>
-              </a:ln>
+              <a:t>강력한 통합기능</a:t>
+            </a:r>
+            <a:endParaRPr lang="en-US" altLang="ko-KR" b="1" kern="0" dirty="0">
               <a:solidFill>
                 <a:srgbClr val="FFFFFF"/>
               </a:solidFill>
-              <a:effectLst/>
-              <a:uLnTx/>
-              <a:uFillTx/>
               <a:latin typeface="SamsungOneKorean 700"/>
             </a:endParaRPr>
           </a:p>
@@ -18820,7 +18706,7 @@
                 <a:uFillTx/>
                 <a:latin typeface="SamsungOneKorean 700"/>
               </a:rPr>
-              <a:t>Integration</a:t>
+              <a:t>Enterprise Integration Patterns </a:t>
             </a:r>
             <a:r>
               <a:rPr kumimoji="0" lang="ko-KR" altLang="en-US" sz="1235" b="1" i="0" u="none" strike="noStrike" kern="0" cap="none" spc="0" normalizeH="0" baseline="0" noProof="0" dirty="0">
@@ -18835,66 +18721,9 @@
                 <a:uFillTx/>
                 <a:latin typeface="SamsungOneKorean 700"/>
               </a:rPr>
-              <a:t> 에 필요한 </a:t>
+              <a:t>구현</a:t>
             </a:r>
             <a:endParaRPr kumimoji="0" lang="en-US" altLang="ko-KR" sz="1235" b="1" i="0" u="none" strike="noStrike" kern="0" cap="none" spc="0" normalizeH="0" baseline="0" noProof="0" dirty="0">
-              <a:ln>
-                <a:noFill/>
-              </a:ln>
-              <a:solidFill>
-                <a:srgbClr val="FFFFFF"/>
-              </a:solidFill>
-              <a:effectLst/>
-              <a:uLnTx/>
-              <a:uFillTx/>
-              <a:latin typeface="SamsungOneKorean 700"/>
-            </a:endParaRPr>
-          </a:p>
-          <a:p>
-            <a:pPr marL="0" marR="0" lvl="0" indent="0" algn="ctr" defTabSz="957769" rtl="0" eaLnBrk="1" fontAlgn="auto" latinLnBrk="0" hangingPunct="1">
-              <a:lnSpc>
-                <a:spcPct val="100000"/>
-              </a:lnSpc>
-              <a:spcBef>
-                <a:spcPct val="50000"/>
-              </a:spcBef>
-              <a:spcAft>
-                <a:spcPct val="0"/>
-              </a:spcAft>
-              <a:buClr>
-                <a:srgbClr val="AA9F98"/>
-              </a:buClr>
-              <a:buSzTx/>
-              <a:buFont typeface="Wingdings" pitchFamily="2" charset="2"/>
-              <a:buNone/>
-              <a:tabLst/>
-              <a:defRPr/>
-            </a:pPr>
-            <a:r>
-              <a:rPr kumimoji="0" lang="ko-KR" altLang="en-US" sz="1235" b="1" i="0" u="none" strike="noStrike" kern="0" cap="none" spc="0" normalizeH="0" baseline="0" noProof="0" dirty="0">
-                <a:ln>
-                  <a:noFill/>
-                </a:ln>
-                <a:solidFill>
-                  <a:srgbClr val="FFFFFF"/>
-                </a:solidFill>
-                <a:effectLst/>
-                <a:uLnTx/>
-                <a:uFillTx/>
-                <a:latin typeface="SamsungOneKorean 700"/>
-              </a:rPr>
-              <a:t>패턴 및 기능</a:t>
-            </a:r>
-            <a:r>
-              <a:rPr lang="ko-KR" altLang="en-US" sz="1235" b="1" kern="0" dirty="0">
-                <a:solidFill>
-                  <a:srgbClr val="FFFFFF"/>
-                </a:solidFill>
-                <a:latin typeface="SamsungOneKorean 700"/>
-              </a:rPr>
-              <a:t> 제공</a:t>
-            </a:r>
-            <a:endParaRPr kumimoji="0" lang="en-GB" altLang="ko-KR" sz="1235" b="1" i="0" u="none" strike="noStrike" kern="0" cap="none" spc="0" normalizeH="0" baseline="0" noProof="0" dirty="0">
               <a:ln>
                 <a:noFill/>
               </a:ln>
@@ -18925,7 +18754,7 @@
         </p:nvSpPr>
         <p:spPr bwMode="auto">
           <a:xfrm>
-            <a:off x="1359804" y="1934282"/>
+            <a:off x="1359804" y="2010482"/>
             <a:ext cx="984164" cy="1503066"/>
           </a:xfrm>
           <a:prstGeom prst="roundRect">
@@ -18934,7 +18763,9 @@
             </a:avLst>
           </a:prstGeom>
           <a:solidFill>
-            <a:schemeClr val="accent1"/>
+            <a:schemeClr val="accent5">
+              <a:lumMod val="50000"/>
+            </a:schemeClr>
           </a:solidFill>
           <a:ln w="9525" algn="ctr">
             <a:solidFill>
@@ -19039,7 +18870,7 @@
               <a:alpha val="20000"/>
             </a:schemeClr>
           </a:solidFill>
-          <a:ln w="9525" algn="ctr">
+          <a:ln w="19050" algn="ctr">
             <a:solidFill>
               <a:schemeClr val="tx1"/>
             </a:solidFill>
@@ -19099,7 +18930,7 @@
               <a:alpha val="20000"/>
             </a:schemeClr>
           </a:solidFill>
-          <a:ln w="9525" algn="ctr">
+          <a:ln w="19050" algn="ctr">
             <a:solidFill>
               <a:schemeClr val="tx1"/>
             </a:solidFill>
@@ -19150,8 +18981,8 @@
         </p:nvSpPr>
         <p:spPr bwMode="auto">
           <a:xfrm>
-            <a:off x="8489565" y="2033309"/>
-            <a:ext cx="887827" cy="3400546"/>
+            <a:off x="8540209" y="2033309"/>
+            <a:ext cx="837183" cy="1995497"/>
           </a:xfrm>
           <a:prstGeom prst="roundRect">
             <a:avLst>
@@ -19165,7 +18996,7 @@
               <a:alpha val="20000"/>
             </a:schemeClr>
           </a:solidFill>
-          <a:ln w="9525" algn="ctr">
+          <a:ln w="19050" algn="ctr">
             <a:solidFill>
               <a:schemeClr val="tx1"/>
             </a:solidFill>
@@ -19856,25 +19687,30 @@
               <a:defRPr/>
             </a:pPr>
             <a:r>
+              <a:rPr lang="en-US" altLang="ko-KR" sz="800" dirty="0">
+                <a:latin typeface="+mj-lt"/>
+                <a:ea typeface="+mn-ea"/>
+              </a:rPr>
+              <a:t> </a:t>
+            </a:r>
+            <a:r>
+              <a:rPr lang="en-US" altLang="ko-KR" sz="800" dirty="0">
+                <a:latin typeface="+mj-lt"/>
+              </a:rPr>
+              <a:t>Process</a:t>
+            </a:r>
+            <a:r>
+              <a:rPr lang="ko-KR" altLang="en-US" sz="800" dirty="0">
+                <a:latin typeface="+mj-lt"/>
+              </a:rPr>
+              <a:t> 호</a:t>
+            </a:r>
+            <a:r>
               <a:rPr lang="ko-KR" altLang="en-US" sz="800" dirty="0">
                 <a:latin typeface="+mj-lt"/>
                 <a:ea typeface="+mn-ea"/>
               </a:rPr>
-              <a:t>수신처리</a:t>
-            </a:r>
-            <a:r>
-              <a:rPr lang="en-US" altLang="ko-KR" sz="800" dirty="0">
-                <a:latin typeface="+mj-lt"/>
-                <a:ea typeface="+mn-ea"/>
-              </a:rPr>
-              <a:t> </a:t>
-            </a:r>
-            <a:r>
-              <a:rPr lang="ko-KR" altLang="en-US" sz="800" dirty="0">
-                <a:latin typeface="+mj-lt"/>
-                <a:ea typeface="+mn-ea"/>
-              </a:rPr>
-              <a:t>호출</a:t>
+              <a:t>출</a:t>
             </a:r>
           </a:p>
           <a:p>
@@ -20147,7 +19983,7 @@
         <p:spPr bwMode="auto">
           <a:xfrm>
             <a:off x="7070955" y="2033309"/>
-            <a:ext cx="1314642" cy="3400546"/>
+            <a:ext cx="1314642" cy="2022419"/>
           </a:xfrm>
           <a:prstGeom prst="roundRect">
             <a:avLst>
@@ -20161,7 +19997,7 @@
               <a:alpha val="20000"/>
             </a:schemeClr>
           </a:solidFill>
-          <a:ln w="9525" algn="ctr">
+          <a:ln w="19050" algn="ctr">
             <a:solidFill>
               <a:schemeClr val="tx1"/>
             </a:solidFill>
@@ -20271,7 +20107,7 @@
         </p:nvSpPr>
         <p:spPr bwMode="gray">
           <a:xfrm>
-            <a:off x="7215963" y="3295937"/>
+            <a:off x="7215963" y="3029237"/>
             <a:ext cx="993342" cy="233648"/>
           </a:xfrm>
           <a:prstGeom prst="roundRect">
@@ -20330,7 +20166,7 @@
         </p:nvSpPr>
         <p:spPr bwMode="gray">
           <a:xfrm>
-            <a:off x="7215963" y="3950938"/>
+            <a:off x="7215963" y="3501358"/>
             <a:ext cx="995900" cy="233648"/>
           </a:xfrm>
           <a:prstGeom prst="roundRect">
@@ -20392,7 +20228,7 @@
         <p:spPr bwMode="auto">
           <a:xfrm flipH="1">
             <a:off x="7712634" y="2811577"/>
-            <a:ext cx="1279" cy="484360"/>
+            <a:ext cx="1279" cy="217660"/>
           </a:xfrm>
           <a:prstGeom prst="straightConnector1">
             <a:avLst/>
@@ -20433,8 +20269,8 @@
         </p:nvCxnSpPr>
         <p:spPr bwMode="auto">
           <a:xfrm>
-            <a:off x="7712634" y="3529585"/>
-            <a:ext cx="1279" cy="421353"/>
+            <a:off x="7712634" y="3262885"/>
+            <a:ext cx="1279" cy="238473"/>
           </a:xfrm>
           <a:prstGeom prst="straightConnector1">
             <a:avLst/>
@@ -20473,7 +20309,7 @@
         </p:nvSpPr>
         <p:spPr bwMode="auto">
           <a:xfrm rot="5400000">
-            <a:off x="7613390" y="3542563"/>
+            <a:off x="7643870" y="2932963"/>
             <a:ext cx="1655223" cy="258550"/>
           </a:xfrm>
           <a:prstGeom prst="roundRect">
@@ -20486,9 +20322,9 @@
               <a:lumMod val="95000"/>
             </a:schemeClr>
           </a:solidFill>
-          <a:ln w="12700" algn="ctr">
+          <a:ln w="25400" algn="ctr">
             <a:solidFill>
-              <a:srgbClr val="F6E9C6"/>
+              <a:schemeClr val="accent2"/>
             </a:solidFill>
             <a:round/>
             <a:headEnd/>
@@ -20531,8 +20367,8 @@
         </p:nvSpPr>
         <p:spPr bwMode="auto">
           <a:xfrm>
-            <a:off x="9718204" y="1948357"/>
-            <a:ext cx="1041650" cy="3485498"/>
+            <a:off x="9718204" y="3874805"/>
+            <a:ext cx="1041650" cy="1559050"/>
           </a:xfrm>
           <a:prstGeom prst="roundRect">
             <a:avLst>
@@ -20609,7 +20445,7 @@
           </a:xfrm>
           <a:prstGeom prst="bentConnector3">
             <a:avLst>
-              <a:gd name="adj1" fmla="val 24513"/>
+              <a:gd name="adj1" fmla="val 59018"/>
             </a:avLst>
           </a:prstGeom>
           <a:noFill/>
@@ -20647,8 +20483,8 @@
         </p:nvCxnSpPr>
         <p:spPr bwMode="auto">
           <a:xfrm rot="16200000" flipH="1">
-            <a:off x="7906575" y="3991924"/>
-            <a:ext cx="193341" cy="578664"/>
+            <a:off x="7990396" y="3458523"/>
+            <a:ext cx="82036" cy="635002"/>
           </a:xfrm>
           <a:prstGeom prst="bentConnector2">
             <a:avLst/>
@@ -20714,7 +20550,7 @@
           <a:p>
             <a:pPr algn="ctr"/>
             <a:r>
-              <a:rPr lang="en-US" altLang="ko-KR" sz="1000" dirty="0">
+              <a:rPr lang="en-US" altLang="ko-KR" sz="1000" b="1" dirty="0">
                 <a:latin typeface="+mj-lt"/>
                 <a:ea typeface="+mn-ea"/>
               </a:rPr>
@@ -20724,7 +20560,7 @@
           <a:p>
             <a:pPr algn="ctr"/>
             <a:r>
-              <a:rPr lang="ko-KR" altLang="en-US" sz="1000" dirty="0">
+              <a:rPr lang="ko-KR" altLang="en-US" sz="1000" b="1" dirty="0">
                 <a:latin typeface="+mj-lt"/>
                 <a:ea typeface="+mn-ea"/>
               </a:rPr>
@@ -20811,8 +20647,8 @@
         </p:nvCxnSpPr>
         <p:spPr>
           <a:xfrm>
-            <a:off x="2343968" y="2685815"/>
-            <a:ext cx="445713" cy="1047767"/>
+            <a:off x="2343968" y="2762015"/>
+            <a:ext cx="445713" cy="971567"/>
           </a:xfrm>
           <a:prstGeom prst="curvedConnector3">
             <a:avLst/>
@@ -20899,8 +20735,8 @@
         </p:nvSpPr>
         <p:spPr>
           <a:xfrm>
-            <a:off x="1661259" y="4467011"/>
-            <a:ext cx="717402" cy="191103"/>
+            <a:off x="6479519" y="2794195"/>
+            <a:ext cx="982913" cy="151337"/>
           </a:xfrm>
           <a:prstGeom prst="roundRect">
             <a:avLst/>
@@ -20932,38 +20768,14 @@
           <a:p>
             <a:pPr algn="ctr"/>
             <a:r>
-              <a:rPr lang="en-US" altLang="ko-KR" sz="1000" b="1" i="1" dirty="0">
+              <a:rPr lang="ko-KR" altLang="en-US" sz="1000" b="1" i="1" dirty="0">
                 <a:solidFill>
                   <a:srgbClr val="0070C0"/>
                 </a:solidFill>
                 <a:latin typeface="+mj-lt"/>
               </a:rPr>
-              <a:t>Rest</a:t>
-            </a:r>
-            <a:r>
-              <a:rPr lang="ko-KR" altLang="en-US" sz="1000" b="1" i="1" dirty="0">
-                <a:solidFill>
-                  <a:srgbClr val="0070C0"/>
-                </a:solidFill>
-                <a:latin typeface="+mj-lt"/>
-              </a:rPr>
-              <a:t> </a:t>
-            </a:r>
-            <a:r>
-              <a:rPr lang="en-US" altLang="ko-KR" sz="1000" b="1" i="1" dirty="0">
-                <a:solidFill>
-                  <a:srgbClr val="0070C0"/>
-                </a:solidFill>
-                <a:latin typeface="+mj-lt"/>
-              </a:rPr>
-              <a:t>API</a:t>
-            </a:r>
-            <a:endParaRPr lang="ko-KR" altLang="en-US" sz="1000" b="1" i="1" dirty="0">
-              <a:solidFill>
-                <a:srgbClr val="0070C0"/>
-              </a:solidFill>
-              <a:latin typeface="+mj-lt"/>
-            </a:endParaRPr>
+              <a:t>송신 필요시</a:t>
+            </a:r>
           </a:p>
         </p:txBody>
       </p:sp>
@@ -20998,7 +20810,7 @@
               <a:alpha val="20000"/>
             </a:schemeClr>
           </a:solidFill>
-          <a:ln w="9525" algn="ctr">
+          <a:ln w="19050" algn="ctr">
             <a:solidFill>
               <a:schemeClr val="tx1"/>
             </a:solidFill>
@@ -21505,7 +21317,7 @@
         </p:nvSpPr>
         <p:spPr bwMode="gray">
           <a:xfrm>
-            <a:off x="4370535" y="4032321"/>
+            <a:off x="4370535" y="4094313"/>
             <a:ext cx="995900" cy="233648"/>
           </a:xfrm>
           <a:prstGeom prst="roundRect">
@@ -21712,7 +21524,7 @@
         <p:spPr bwMode="auto">
           <a:xfrm>
             <a:off x="4868485" y="3627764"/>
-            <a:ext cx="0" cy="404557"/>
+            <a:ext cx="0" cy="466549"/>
           </a:xfrm>
           <a:prstGeom prst="straightConnector1">
             <a:avLst/>
@@ -22118,11 +21930,22 @@
               <a:defRPr/>
             </a:pPr>
             <a:r>
+              <a:rPr lang="en-US" altLang="ko-KR" sz="800" dirty="0">
+                <a:latin typeface="+mj-lt"/>
+              </a:rPr>
+              <a:t>Validation</a:t>
+            </a:r>
+            <a:r>
               <a:rPr lang="ko-KR" altLang="en-US" sz="800" dirty="0">
                 <a:latin typeface="+mj-lt"/>
-                <a:ea typeface="+mn-ea"/>
-              </a:rPr>
-              <a:t>요청처리</a:t>
+              </a:rPr>
+              <a:t> </a:t>
+            </a:r>
+            <a:r>
+              <a:rPr lang="en-US" altLang="ko-KR" sz="800" dirty="0">
+                <a:latin typeface="+mj-lt"/>
+              </a:rPr>
+              <a:t>&amp; Filtering</a:t>
             </a:r>
             <a:endParaRPr lang="en-US" altLang="ko-KR" sz="800" dirty="0">
               <a:latin typeface="+mj-lt"/>
@@ -22202,9 +22025,9 @@
               <a:lumMod val="95000"/>
             </a:schemeClr>
           </a:solidFill>
-          <a:ln w="12700" algn="ctr">
+          <a:ln w="25400" algn="ctr">
             <a:solidFill>
-              <a:srgbClr val="F6E9C6"/>
+              <a:schemeClr val="accent2"/>
             </a:solidFill>
             <a:round/>
             <a:headEnd/>
@@ -22221,7 +22044,7 @@
               <a:defRPr/>
             </a:pPr>
             <a:r>
-              <a:rPr lang="en-US" altLang="ko-KR" sz="1000">
+              <a:rPr lang="en-US" altLang="ko-KR" sz="1000" dirty="0">
                 <a:latin typeface="+mj-lt"/>
                 <a:ea typeface="+mn-ea"/>
                 <a:sym typeface="Wingdings" pitchFamily="2" charset="2"/>
@@ -22659,25 +22482,6 @@
               </a:rPr>
               <a:t>Step 3: </a:t>
             </a:r>
-          </a:p>
-          <a:p>
-            <a:pPr marL="0" marR="0" lvl="0" indent="0" algn="ctr" defTabSz="957769" rtl="0" eaLnBrk="1" fontAlgn="auto" latinLnBrk="0" hangingPunct="1">
-              <a:lnSpc>
-                <a:spcPct val="100000"/>
-              </a:lnSpc>
-              <a:spcBef>
-                <a:spcPts val="0"/>
-              </a:spcBef>
-              <a:spcAft>
-                <a:spcPts val="0"/>
-              </a:spcAft>
-              <a:buClrTx/>
-              <a:buSzTx/>
-              <a:buFontTx/>
-              <a:buNone/>
-              <a:tabLst/>
-              <a:defRPr/>
-            </a:pPr>
             <a:r>
               <a:rPr lang="en-US" altLang="ko-KR" sz="1200" b="1" kern="0" dirty="0">
                 <a:solidFill>
@@ -22685,7 +22489,7 @@
                 </a:solidFill>
                 <a:latin typeface="SamsungOne 400"/>
               </a:rPr>
-              <a:t>Spec</a:t>
+              <a:t>Message </a:t>
             </a:r>
             <a:r>
               <a:rPr lang="ko-KR" altLang="en-US" sz="1200" b="1" kern="0" dirty="0">
@@ -22694,16 +22498,7 @@
                 </a:solidFill>
                 <a:latin typeface="SamsungOne 400"/>
               </a:rPr>
-              <a:t> 생성 </a:t>
-            </a:r>
-            <a:r>
-              <a:rPr lang="en-US" altLang="ko-KR" sz="1200" b="1" kern="0" dirty="0">
-                <a:solidFill>
-                  <a:prstClr val="white"/>
-                </a:solidFill>
-                <a:latin typeface="SamsungOne 400"/>
-              </a:rPr>
-              <a:t>Process</a:t>
+              <a:t>전달</a:t>
             </a:r>
             <a:endParaRPr kumimoji="0" lang="en-US" altLang="ko-KR" sz="1200" b="1" i="0" u="none" strike="noStrike" kern="0" cap="none" spc="0" normalizeH="0" baseline="0" noProof="0" dirty="0">
               <a:ln>
@@ -22796,24 +22591,24 @@
           <a:p>
             <a:pPr algn="ctr"/>
             <a:r>
-              <a:rPr lang="ko-KR" altLang="en-US" sz="1000" dirty="0">
+              <a:rPr lang="ko-KR" altLang="en-US" sz="1000" b="1" dirty="0">
                 <a:latin typeface="+mj-lt"/>
               </a:rPr>
               <a:t>외부연계</a:t>
             </a:r>
-            <a:endParaRPr lang="en-US" altLang="ko-KR" sz="1000" dirty="0">
+            <a:endParaRPr lang="en-US" altLang="ko-KR" sz="1000" b="1" dirty="0">
               <a:latin typeface="+mj-lt"/>
             </a:endParaRPr>
           </a:p>
           <a:p>
             <a:pPr algn="ctr"/>
             <a:r>
-              <a:rPr lang="ko-KR" altLang="en-US" sz="1000" dirty="0">
+              <a:rPr lang="ko-KR" altLang="en-US" sz="1000" b="1" dirty="0">
                 <a:latin typeface="+mj-lt"/>
               </a:rPr>
               <a:t>시스템</a:t>
             </a:r>
-            <a:endParaRPr lang="en-US" altLang="ko-KR" sz="1000" dirty="0">
+            <a:endParaRPr lang="en-US" altLang="ko-KR" sz="1000" b="1" dirty="0">
               <a:latin typeface="+mj-lt"/>
             </a:endParaRPr>
           </a:p>
@@ -22979,10 +22774,13 @@
             <a:r>
               <a:rPr lang="en-US" altLang="ko-KR" sz="800" dirty="0">
                 <a:latin typeface="+mj-lt"/>
-                <a:ea typeface="+mn-ea"/>
-              </a:rPr>
-              <a:t>JOLT</a:t>
-            </a:r>
+              </a:rPr>
+              <a:t>SFTP</a:t>
+            </a:r>
+            <a:endParaRPr lang="en-US" altLang="ko-KR" sz="800" dirty="0">
+              <a:latin typeface="+mj-lt"/>
+              <a:ea typeface="+mn-ea"/>
+            </a:endParaRPr>
           </a:p>
           <a:p>
             <a:pPr eaLnBrk="1" latinLnBrk="1" hangingPunct="1">
@@ -23017,7 +22815,7 @@
         </p:nvSpPr>
         <p:spPr bwMode="auto">
           <a:xfrm>
-            <a:off x="3133237" y="2295523"/>
+            <a:off x="3133237" y="2409823"/>
             <a:ext cx="493846" cy="224460"/>
           </a:xfrm>
           <a:prstGeom prst="roundRect">
@@ -23421,7 +23219,7 @@
         </p:nvGrpSpPr>
         <p:grpSpPr bwMode="auto">
           <a:xfrm>
-            <a:off x="3479340" y="2203639"/>
+            <a:off x="3479340" y="2317939"/>
             <a:ext cx="206566" cy="152265"/>
             <a:chOff x="2772" y="2783"/>
             <a:chExt cx="206" cy="197"/>
@@ -24013,12 +23811,12 @@
         </p:nvCxnSpPr>
         <p:spPr bwMode="auto">
           <a:xfrm rot="10800000" flipH="1">
-            <a:off x="2789681" y="2407754"/>
-            <a:ext cx="343556" cy="1325829"/>
+            <a:off x="2789681" y="2522054"/>
+            <a:ext cx="343556" cy="1211529"/>
           </a:xfrm>
           <a:prstGeom prst="curvedConnector3">
             <a:avLst>
-              <a:gd name="adj1" fmla="val 33270"/>
+              <a:gd name="adj1" fmla="val 28834"/>
             </a:avLst>
           </a:prstGeom>
           <a:noFill/>
@@ -24476,10 +24274,13 @@
             <a:r>
               <a:rPr lang="en-US" altLang="ko-KR" sz="900" dirty="0">
                 <a:latin typeface="+mj-lt"/>
-                <a:ea typeface="+mn-ea"/>
-              </a:rPr>
-              <a:t>JSON</a:t>
-            </a:r>
+              </a:rPr>
+              <a:t>SFTP</a:t>
+            </a:r>
+            <a:endParaRPr lang="en-US" altLang="ko-KR" sz="900" dirty="0">
+              <a:latin typeface="+mj-lt"/>
+              <a:ea typeface="+mn-ea"/>
+            </a:endParaRPr>
           </a:p>
           <a:p>
             <a:pPr eaLnBrk="1" latinLnBrk="1" hangingPunct="1">
@@ -24679,48 +24480,6 @@
       </p:grpSp>
       <p:cxnSp>
         <p:nvCxnSpPr>
-          <p:cNvPr id="185" name="AutoShape 73">
-            <a:extLst>
-              <a:ext uri="{FF2B5EF4-FFF2-40B4-BE49-F238E27FC236}">
-                <a16:creationId xmlns:a16="http://schemas.microsoft.com/office/drawing/2014/main" id="{564B50B6-E149-8461-D333-914804226406}"/>
-              </a:ext>
-            </a:extLst>
-          </p:cNvPr>
-          <p:cNvCxnSpPr>
-            <a:cxnSpLocks noChangeShapeType="1"/>
-            <a:stCxn id="180" idx="3"/>
-            <a:endCxn id="62" idx="1"/>
-          </p:cNvCxnSpPr>
-          <p:nvPr/>
-        </p:nvCxnSpPr>
-        <p:spPr bwMode="auto">
-          <a:xfrm>
-            <a:off x="9230284" y="3685462"/>
-            <a:ext cx="487920" cy="5644"/>
-          </a:xfrm>
-          <a:prstGeom prst="straightConnector1">
-            <a:avLst/>
-          </a:prstGeom>
-          <a:noFill/>
-          <a:ln w="9525">
-            <a:solidFill>
-              <a:srgbClr val="808080"/>
-            </a:solidFill>
-            <a:round/>
-            <a:headEnd/>
-            <a:tailEnd type="triangle" w="med" len="med"/>
-          </a:ln>
-          <a:extLst>
-            <a:ext uri="{909E8E84-426E-40DD-AFC4-6F175D3DCCD1}">
-              <a14:hiddenFill xmlns:a14="http://schemas.microsoft.com/office/drawing/2010/main">
-                <a:noFill/>
-              </a14:hiddenFill>
-            </a:ext>
-          </a:extLst>
-        </p:spPr>
-      </p:cxnSp>
-      <p:cxnSp>
-        <p:nvCxnSpPr>
           <p:cNvPr id="188" name="AutoShape 165">
             <a:extLst>
               <a:ext uri="{FF2B5EF4-FFF2-40B4-BE49-F238E27FC236}">
@@ -24737,14 +24496,14 @@
         </p:nvCxnSpPr>
         <p:spPr bwMode="auto">
           <a:xfrm>
-            <a:off x="3627083" y="2407753"/>
-            <a:ext cx="308430" cy="1264086"/>
+            <a:off x="3627083" y="2522053"/>
+            <a:ext cx="308430" cy="1149786"/>
           </a:xfrm>
           <a:prstGeom prst="curvedConnector5">
             <a:avLst>
               <a:gd name="adj1" fmla="val 74117"/>
-              <a:gd name="adj2" fmla="val 49326"/>
-              <a:gd name="adj3" fmla="val 60471"/>
+              <a:gd name="adj2" fmla="val 49259"/>
+              <a:gd name="adj3" fmla="val 67883"/>
             </a:avLst>
           </a:prstGeom>
           <a:noFill/>
@@ -24949,6 +24708,1014 @@
           </a:extLst>
         </p:spPr>
       </p:cxnSp>
+      <p:cxnSp>
+        <p:nvCxnSpPr>
+          <p:cNvPr id="232" name="AutoShape 201">
+            <a:extLst>
+              <a:ext uri="{FF2B5EF4-FFF2-40B4-BE49-F238E27FC236}">
+                <a16:creationId xmlns:a16="http://schemas.microsoft.com/office/drawing/2014/main" id="{60DD000A-3476-2104-3194-A430B963FD2F}"/>
+              </a:ext>
+            </a:extLst>
+          </p:cNvPr>
+          <p:cNvCxnSpPr>
+            <a:cxnSpLocks noChangeShapeType="1"/>
+            <a:stCxn id="35" idx="3"/>
+          </p:cNvCxnSpPr>
+          <p:nvPr/>
+        </p:nvCxnSpPr>
+        <p:spPr bwMode="auto">
+          <a:xfrm>
+            <a:off x="6730123" y="3053757"/>
+            <a:ext cx="2988081" cy="1721795"/>
+          </a:xfrm>
+          <a:prstGeom prst="bentConnector3">
+            <a:avLst>
+              <a:gd name="adj1" fmla="val 9708"/>
+            </a:avLst>
+          </a:prstGeom>
+          <a:noFill/>
+          <a:ln w="9525">
+            <a:solidFill>
+              <a:srgbClr val="808080"/>
+            </a:solidFill>
+            <a:miter lim="800000"/>
+            <a:headEnd/>
+            <a:tailEnd type="triangle" w="med" len="med"/>
+          </a:ln>
+          <a:extLst>
+            <a:ext uri="{909E8E84-426E-40DD-AFC4-6F175D3DCCD1}">
+              <a14:hiddenFill xmlns:a14="http://schemas.microsoft.com/office/drawing/2010/main">
+                <a:noFill/>
+              </a14:hiddenFill>
+            </a:ext>
+          </a:extLst>
+        </p:spPr>
+      </p:cxnSp>
+      <p:sp>
+        <p:nvSpPr>
+          <p:cNvPr id="240" name="AutoShape 181">
+            <a:extLst>
+              <a:ext uri="{FF2B5EF4-FFF2-40B4-BE49-F238E27FC236}">
+                <a16:creationId xmlns:a16="http://schemas.microsoft.com/office/drawing/2014/main" id="{1A600970-24F9-60DD-4F25-618CBB0DBC51}"/>
+              </a:ext>
+            </a:extLst>
+          </p:cNvPr>
+          <p:cNvSpPr>
+            <a:spLocks noChangeArrowheads="1"/>
+          </p:cNvSpPr>
+          <p:nvPr/>
+        </p:nvSpPr>
+        <p:spPr bwMode="auto">
+          <a:xfrm>
+            <a:off x="9718204" y="2010482"/>
+            <a:ext cx="1041650" cy="639182"/>
+          </a:xfrm>
+          <a:prstGeom prst="roundRect">
+            <a:avLst>
+              <a:gd name="adj" fmla="val 8218"/>
+            </a:avLst>
+          </a:prstGeom>
+          <a:solidFill>
+            <a:schemeClr val="bg1"/>
+          </a:solidFill>
+          <a:ln w="9525" algn="ctr">
+            <a:solidFill>
+              <a:schemeClr val="tx1"/>
+            </a:solidFill>
+            <a:prstDash val="solid"/>
+            <a:round/>
+            <a:headEnd/>
+            <a:tailEnd/>
+          </a:ln>
+        </p:spPr>
+        <p:txBody>
+          <a:bodyPr wrap="none" lIns="0" tIns="36000" rIns="0" bIns="0"/>
+          <a:lstStyle/>
+          <a:p>
+            <a:pPr algn="ctr"/>
+            <a:r>
+              <a:rPr lang="ko-KR" altLang="en-US" sz="1000" b="1" dirty="0">
+                <a:latin typeface="+mj-lt"/>
+                <a:ea typeface="+mn-ea"/>
+              </a:rPr>
+              <a:t>외부연계</a:t>
+            </a:r>
+            <a:endParaRPr lang="en-US" altLang="ko-KR" sz="1000" b="1" dirty="0">
+              <a:latin typeface="+mj-lt"/>
+              <a:ea typeface="+mn-ea"/>
+            </a:endParaRPr>
+          </a:p>
+          <a:p>
+            <a:pPr algn="ctr"/>
+            <a:r>
+              <a:rPr lang="ko-KR" altLang="en-US" sz="1000" b="1" dirty="0">
+                <a:latin typeface="+mj-lt"/>
+                <a:ea typeface="+mn-ea"/>
+              </a:rPr>
+              <a:t>시스템</a:t>
+            </a:r>
+          </a:p>
+        </p:txBody>
+      </p:sp>
+      <p:cxnSp>
+        <p:nvCxnSpPr>
+          <p:cNvPr id="242" name="AutoShape 201">
+            <a:extLst>
+              <a:ext uri="{FF2B5EF4-FFF2-40B4-BE49-F238E27FC236}">
+                <a16:creationId xmlns:a16="http://schemas.microsoft.com/office/drawing/2014/main" id="{6F67AB77-458B-98F1-A102-74EDE0ADDDF9}"/>
+              </a:ext>
+            </a:extLst>
+          </p:cNvPr>
+          <p:cNvCxnSpPr>
+            <a:cxnSpLocks noChangeShapeType="1"/>
+            <a:stCxn id="13" idx="3"/>
+            <a:endCxn id="240" idx="1"/>
+          </p:cNvCxnSpPr>
+          <p:nvPr/>
+        </p:nvCxnSpPr>
+        <p:spPr bwMode="auto">
+          <a:xfrm flipV="1">
+            <a:off x="9377392" y="2330073"/>
+            <a:ext cx="340812" cy="700985"/>
+          </a:xfrm>
+          <a:prstGeom prst="bentConnector3">
+            <a:avLst>
+              <a:gd name="adj1" fmla="val 50000"/>
+            </a:avLst>
+          </a:prstGeom>
+          <a:noFill/>
+          <a:ln w="9525">
+            <a:solidFill>
+              <a:srgbClr val="808080"/>
+            </a:solidFill>
+            <a:miter lim="800000"/>
+            <a:headEnd/>
+            <a:tailEnd type="triangle" w="med" len="med"/>
+          </a:ln>
+          <a:extLst>
+            <a:ext uri="{909E8E84-426E-40DD-AFC4-6F175D3DCCD1}">
+              <a14:hiddenFill xmlns:a14="http://schemas.microsoft.com/office/drawing/2010/main">
+                <a:noFill/>
+              </a14:hiddenFill>
+            </a:ext>
+          </a:extLst>
+        </p:spPr>
+      </p:cxnSp>
+      <p:sp>
+        <p:nvSpPr>
+          <p:cNvPr id="246" name="AutoShape 181">
+            <a:extLst>
+              <a:ext uri="{FF2B5EF4-FFF2-40B4-BE49-F238E27FC236}">
+                <a16:creationId xmlns:a16="http://schemas.microsoft.com/office/drawing/2014/main" id="{56390F06-12A8-AD49-CB57-469FD5661FB9}"/>
+              </a:ext>
+            </a:extLst>
+          </p:cNvPr>
+          <p:cNvSpPr>
+            <a:spLocks noChangeArrowheads="1"/>
+          </p:cNvSpPr>
+          <p:nvPr/>
+        </p:nvSpPr>
+        <p:spPr bwMode="auto">
+          <a:xfrm>
+            <a:off x="9718204" y="2728628"/>
+            <a:ext cx="1041650" cy="877844"/>
+          </a:xfrm>
+          <a:prstGeom prst="roundRect">
+            <a:avLst>
+              <a:gd name="adj" fmla="val 8218"/>
+            </a:avLst>
+          </a:prstGeom>
+          <a:solidFill>
+            <a:schemeClr val="bg1"/>
+          </a:solidFill>
+          <a:ln w="9525" algn="ctr">
+            <a:solidFill>
+              <a:schemeClr val="tx1"/>
+            </a:solidFill>
+            <a:prstDash val="solid"/>
+            <a:round/>
+            <a:headEnd/>
+            <a:tailEnd/>
+          </a:ln>
+        </p:spPr>
+        <p:txBody>
+          <a:bodyPr wrap="none" lIns="0" tIns="36000" rIns="0" bIns="0"/>
+          <a:lstStyle/>
+          <a:p>
+            <a:pPr algn="ctr"/>
+            <a:r>
+              <a:rPr lang="en-US" altLang="ko-KR" sz="1000" b="1" dirty="0">
+                <a:latin typeface="+mj-lt"/>
+              </a:rPr>
+              <a:t>Azure</a:t>
+            </a:r>
+            <a:r>
+              <a:rPr lang="ko-KR" altLang="en-US" sz="1000" b="1" dirty="0">
+                <a:latin typeface="+mj-lt"/>
+              </a:rPr>
+              <a:t> </a:t>
+            </a:r>
+            <a:r>
+              <a:rPr lang="en-US" altLang="ko-KR" sz="1000" b="1" dirty="0">
+                <a:latin typeface="+mj-lt"/>
+              </a:rPr>
+              <a:t>Blob</a:t>
+            </a:r>
+            <a:r>
+              <a:rPr lang="ko-KR" altLang="en-US" sz="1000" b="1" dirty="0">
+                <a:latin typeface="+mj-lt"/>
+              </a:rPr>
+              <a:t> </a:t>
+            </a:r>
+            <a:endParaRPr lang="en-US" altLang="ko-KR" sz="1000" b="1" dirty="0">
+              <a:latin typeface="+mj-lt"/>
+            </a:endParaRPr>
+          </a:p>
+          <a:p>
+            <a:pPr algn="ctr"/>
+            <a:r>
+              <a:rPr lang="en-US" altLang="ko-KR" sz="1000" b="1" dirty="0">
+                <a:latin typeface="+mj-lt"/>
+              </a:rPr>
+              <a:t>Storage</a:t>
+            </a:r>
+            <a:endParaRPr lang="en-US" altLang="ko-KR" sz="1000" b="1" dirty="0">
+              <a:latin typeface="+mj-lt"/>
+              <a:ea typeface="+mn-ea"/>
+            </a:endParaRPr>
+          </a:p>
+        </p:txBody>
+      </p:sp>
+      <p:pic>
+        <p:nvPicPr>
+          <p:cNvPr id="248" name="그림 247" descr="상징, 스크린샷, 그래픽, 폰트이(가) 표시된 사진&#10;&#10;자동 생성된 설명">
+            <a:extLst>
+              <a:ext uri="{FF2B5EF4-FFF2-40B4-BE49-F238E27FC236}">
+                <a16:creationId xmlns:a16="http://schemas.microsoft.com/office/drawing/2014/main" id="{3AB37AE8-1ACB-BCE2-D3AA-1BE4D711E1C1}"/>
+              </a:ext>
+            </a:extLst>
+          </p:cNvPr>
+          <p:cNvPicPr>
+            <a:picLocks noChangeAspect="1"/>
+          </p:cNvPicPr>
+          <p:nvPr/>
+        </p:nvPicPr>
+        <p:blipFill>
+          <a:blip r:embed="rId4">
+            <a:extLst>
+              <a:ext uri="{28A0092B-C50C-407E-A947-70E740481C1C}">
+                <a14:useLocalDpi xmlns:a14="http://schemas.microsoft.com/office/drawing/2010/main" val="0"/>
+              </a:ext>
+            </a:extLst>
+          </a:blip>
+          <a:stretch>
+            <a:fillRect/>
+          </a:stretch>
+        </p:blipFill>
+        <p:spPr>
+          <a:xfrm>
+            <a:off x="9736179" y="3141061"/>
+            <a:ext cx="1005700" cy="408405"/>
+          </a:xfrm>
+          <a:prstGeom prst="rect">
+            <a:avLst/>
+          </a:prstGeom>
+        </p:spPr>
+      </p:pic>
+      <p:cxnSp>
+        <p:nvCxnSpPr>
+          <p:cNvPr id="249" name="AutoShape 201">
+            <a:extLst>
+              <a:ext uri="{FF2B5EF4-FFF2-40B4-BE49-F238E27FC236}">
+                <a16:creationId xmlns:a16="http://schemas.microsoft.com/office/drawing/2014/main" id="{90547FBD-253D-D413-D4AA-46FA00D4F801}"/>
+              </a:ext>
+            </a:extLst>
+          </p:cNvPr>
+          <p:cNvCxnSpPr>
+            <a:cxnSpLocks noChangeShapeType="1"/>
+            <a:stCxn id="13" idx="3"/>
+            <a:endCxn id="248" idx="1"/>
+          </p:cNvCxnSpPr>
+          <p:nvPr/>
+        </p:nvCxnSpPr>
+        <p:spPr bwMode="auto">
+          <a:xfrm>
+            <a:off x="9377392" y="3031058"/>
+            <a:ext cx="358787" cy="314206"/>
+          </a:xfrm>
+          <a:prstGeom prst="bentConnector3">
+            <a:avLst>
+              <a:gd name="adj1" fmla="val 50000"/>
+            </a:avLst>
+          </a:prstGeom>
+          <a:noFill/>
+          <a:ln w="9525">
+            <a:solidFill>
+              <a:srgbClr val="808080"/>
+            </a:solidFill>
+            <a:miter lim="800000"/>
+            <a:headEnd/>
+            <a:tailEnd type="triangle" w="med" len="med"/>
+          </a:ln>
+          <a:extLst>
+            <a:ext uri="{909E8E84-426E-40DD-AFC4-6F175D3DCCD1}">
+              <a14:hiddenFill xmlns:a14="http://schemas.microsoft.com/office/drawing/2010/main">
+                <a:noFill/>
+              </a14:hiddenFill>
+            </a:ext>
+          </a:extLst>
+        </p:spPr>
+      </p:cxnSp>
+      <p:sp>
+        <p:nvSpPr>
+          <p:cNvPr id="252" name="AutoShape 108">
+            <a:extLst>
+              <a:ext uri="{FF2B5EF4-FFF2-40B4-BE49-F238E27FC236}">
+                <a16:creationId xmlns:a16="http://schemas.microsoft.com/office/drawing/2014/main" id="{74A1C091-DF1E-35E4-ECD7-130E25F0A42C}"/>
+              </a:ext>
+            </a:extLst>
+          </p:cNvPr>
+          <p:cNvSpPr>
+            <a:spLocks noChangeArrowheads="1"/>
+          </p:cNvSpPr>
+          <p:nvPr/>
+        </p:nvSpPr>
+        <p:spPr bwMode="auto">
+          <a:xfrm>
+            <a:off x="8742259" y="2891763"/>
+            <a:ext cx="492477" cy="384468"/>
+          </a:xfrm>
+          <a:prstGeom prst="roundRect">
+            <a:avLst>
+              <a:gd name="adj" fmla="val 8218"/>
+            </a:avLst>
+          </a:prstGeom>
+          <a:solidFill>
+            <a:schemeClr val="bg1">
+              <a:lumMod val="95000"/>
+            </a:schemeClr>
+          </a:solidFill>
+          <a:ln w="9525" algn="ctr">
+            <a:solidFill>
+              <a:srgbClr val="969696"/>
+            </a:solidFill>
+            <a:prstDash val="dash"/>
+            <a:round/>
+            <a:headEnd/>
+            <a:tailEnd/>
+          </a:ln>
+        </p:spPr>
+        <p:txBody>
+          <a:bodyPr wrap="none" lIns="0" tIns="0" rIns="0" bIns="0" anchor="ctr" anchorCtr="1"/>
+          <a:lstStyle/>
+          <a:p>
+            <a:pPr eaLnBrk="1" latinLnBrk="1" hangingPunct="1">
+              <a:defRPr/>
+            </a:pPr>
+            <a:r>
+              <a:rPr lang="en-US" altLang="ko-KR" sz="900" dirty="0">
+                <a:latin typeface="+mj-lt"/>
+                <a:ea typeface="+mn-ea"/>
+              </a:rPr>
+              <a:t>JSON</a:t>
+            </a:r>
+          </a:p>
+          <a:p>
+            <a:pPr eaLnBrk="1" latinLnBrk="1" hangingPunct="1">
+              <a:defRPr/>
+            </a:pPr>
+            <a:r>
+              <a:rPr lang="en-US" altLang="ko-KR" sz="900" dirty="0">
+                <a:latin typeface="+mj-lt"/>
+                <a:ea typeface="+mn-ea"/>
+              </a:rPr>
+              <a:t>Adapter</a:t>
+            </a:r>
+          </a:p>
+        </p:txBody>
+      </p:sp>
+      <p:grpSp>
+        <p:nvGrpSpPr>
+          <p:cNvPr id="253" name="Group 109">
+            <a:extLst>
+              <a:ext uri="{FF2B5EF4-FFF2-40B4-BE49-F238E27FC236}">
+                <a16:creationId xmlns:a16="http://schemas.microsoft.com/office/drawing/2014/main" id="{9E570860-6EC8-2D32-2341-8A9306B69292}"/>
+              </a:ext>
+            </a:extLst>
+          </p:cNvPr>
+          <p:cNvGrpSpPr>
+            <a:grpSpLocks/>
+          </p:cNvGrpSpPr>
+          <p:nvPr/>
+        </p:nvGrpSpPr>
+        <p:grpSpPr bwMode="auto">
+          <a:xfrm>
+            <a:off x="9067416" y="2768849"/>
+            <a:ext cx="206566" cy="152265"/>
+            <a:chOff x="2772" y="2783"/>
+            <a:chExt cx="206" cy="197"/>
+          </a:xfrm>
+        </p:grpSpPr>
+        <p:sp>
+          <p:nvSpPr>
+            <p:cNvPr id="254" name="AutoShape 110">
+              <a:extLst>
+                <a:ext uri="{FF2B5EF4-FFF2-40B4-BE49-F238E27FC236}">
+                  <a16:creationId xmlns:a16="http://schemas.microsoft.com/office/drawing/2014/main" id="{DC72DA00-CE6A-9845-BB8F-09E489F9849C}"/>
+                </a:ext>
+              </a:extLst>
+            </p:cNvPr>
+            <p:cNvSpPr>
+              <a:spLocks noChangeArrowheads="1"/>
+            </p:cNvSpPr>
+            <p:nvPr/>
+          </p:nvSpPr>
+          <p:spPr bwMode="auto">
+            <a:xfrm rot="5400000">
+              <a:off x="2749" y="2806"/>
+              <a:ext cx="197" cy="151"/>
+            </a:xfrm>
+            <a:prstGeom prst="can">
+              <a:avLst>
+                <a:gd name="adj" fmla="val 26315"/>
+              </a:avLst>
+            </a:prstGeom>
+            <a:solidFill>
+              <a:srgbClr val="EAEAEA"/>
+            </a:solidFill>
+            <a:ln w="9525">
+              <a:solidFill>
+                <a:srgbClr val="969696"/>
+              </a:solidFill>
+              <a:round/>
+              <a:headEnd/>
+              <a:tailEnd/>
+            </a:ln>
+          </p:spPr>
+          <p:txBody>
+            <a:bodyPr rot="10800000" vert="eaVert" wrap="none" anchor="ctr"/>
+            <a:lstStyle/>
+            <a:p>
+              <a:pPr eaLnBrk="1" latinLnBrk="1" hangingPunct="1">
+                <a:lnSpc>
+                  <a:spcPct val="150000"/>
+                </a:lnSpc>
+                <a:defRPr/>
+              </a:pPr>
+              <a:endParaRPr lang="ko-KR" altLang="ko-KR" sz="900">
+                <a:latin typeface="+mj-lt"/>
+                <a:ea typeface="+mn-ea"/>
+              </a:endParaRPr>
+            </a:p>
+          </p:txBody>
+        </p:sp>
+        <p:sp>
+          <p:nvSpPr>
+            <p:cNvPr id="255" name="AutoShape 111">
+              <a:extLst>
+                <a:ext uri="{FF2B5EF4-FFF2-40B4-BE49-F238E27FC236}">
+                  <a16:creationId xmlns:a16="http://schemas.microsoft.com/office/drawing/2014/main" id="{EA627D07-30E4-9210-4177-37AFE560990C}"/>
+                </a:ext>
+              </a:extLst>
+            </p:cNvPr>
+            <p:cNvSpPr>
+              <a:spLocks noChangeArrowheads="1"/>
+            </p:cNvSpPr>
+            <p:nvPr/>
+          </p:nvSpPr>
+          <p:spPr bwMode="auto">
+            <a:xfrm rot="5400000">
+              <a:off x="2912" y="2809"/>
+              <a:ext cx="54" cy="78"/>
+            </a:xfrm>
+            <a:prstGeom prst="can">
+              <a:avLst>
+                <a:gd name="adj" fmla="val 34513"/>
+              </a:avLst>
+            </a:prstGeom>
+            <a:solidFill>
+              <a:srgbClr val="EAEAEA"/>
+            </a:solidFill>
+            <a:ln w="9525">
+              <a:solidFill>
+                <a:srgbClr val="969696"/>
+              </a:solidFill>
+              <a:round/>
+              <a:headEnd/>
+              <a:tailEnd/>
+            </a:ln>
+          </p:spPr>
+          <p:txBody>
+            <a:bodyPr rot="10800000" vert="eaVert" wrap="none" anchor="ctr"/>
+            <a:lstStyle/>
+            <a:p>
+              <a:pPr eaLnBrk="1" latinLnBrk="1" hangingPunct="1">
+                <a:lnSpc>
+                  <a:spcPct val="150000"/>
+                </a:lnSpc>
+                <a:defRPr/>
+              </a:pPr>
+              <a:endParaRPr lang="ko-KR" altLang="ko-KR" sz="900">
+                <a:latin typeface="+mj-lt"/>
+                <a:ea typeface="+mn-ea"/>
+              </a:endParaRPr>
+            </a:p>
+          </p:txBody>
+        </p:sp>
+        <p:sp>
+          <p:nvSpPr>
+            <p:cNvPr id="256" name="AutoShape 112">
+              <a:extLst>
+                <a:ext uri="{FF2B5EF4-FFF2-40B4-BE49-F238E27FC236}">
+                  <a16:creationId xmlns:a16="http://schemas.microsoft.com/office/drawing/2014/main" id="{3E7210B4-D1AF-05C7-9926-B7C8F48A44E0}"/>
+                </a:ext>
+              </a:extLst>
+            </p:cNvPr>
+            <p:cNvSpPr>
+              <a:spLocks noChangeArrowheads="1"/>
+            </p:cNvSpPr>
+            <p:nvPr/>
+          </p:nvSpPr>
+          <p:spPr bwMode="auto">
+            <a:xfrm rot="5400000">
+              <a:off x="2912" y="2882"/>
+              <a:ext cx="54" cy="78"/>
+            </a:xfrm>
+            <a:prstGeom prst="can">
+              <a:avLst>
+                <a:gd name="adj" fmla="val 34513"/>
+              </a:avLst>
+            </a:prstGeom>
+            <a:solidFill>
+              <a:srgbClr val="EAEAEA"/>
+            </a:solidFill>
+            <a:ln w="9525">
+              <a:solidFill>
+                <a:srgbClr val="969696"/>
+              </a:solidFill>
+              <a:round/>
+              <a:headEnd/>
+              <a:tailEnd/>
+            </a:ln>
+          </p:spPr>
+          <p:txBody>
+            <a:bodyPr rot="10800000" vert="eaVert" wrap="none" anchor="ctr"/>
+            <a:lstStyle/>
+            <a:p>
+              <a:pPr eaLnBrk="1" latinLnBrk="1" hangingPunct="1">
+                <a:lnSpc>
+                  <a:spcPct val="150000"/>
+                </a:lnSpc>
+                <a:defRPr/>
+              </a:pPr>
+              <a:endParaRPr lang="ko-KR" altLang="ko-KR" sz="900">
+                <a:latin typeface="+mj-lt"/>
+                <a:ea typeface="+mn-ea"/>
+              </a:endParaRPr>
+            </a:p>
+          </p:txBody>
+        </p:sp>
+      </p:grpSp>
+      <p:sp>
+        <p:nvSpPr>
+          <p:cNvPr id="257" name="직사각형 256">
+            <a:extLst>
+              <a:ext uri="{FF2B5EF4-FFF2-40B4-BE49-F238E27FC236}">
+                <a16:creationId xmlns:a16="http://schemas.microsoft.com/office/drawing/2014/main" id="{959133B4-EAAB-BC7C-9B82-CA43F277A453}"/>
+              </a:ext>
+            </a:extLst>
+          </p:cNvPr>
+          <p:cNvSpPr/>
+          <p:nvPr/>
+        </p:nvSpPr>
+        <p:spPr>
+          <a:xfrm>
+            <a:off x="2647937" y="1938228"/>
+            <a:ext cx="6871472" cy="3550157"/>
+          </a:xfrm>
+          <a:prstGeom prst="rect">
+            <a:avLst/>
+          </a:prstGeom>
+          <a:solidFill>
+            <a:schemeClr val="accent4">
+              <a:lumMod val="20000"/>
+              <a:lumOff val="80000"/>
+              <a:alpha val="15000"/>
+            </a:schemeClr>
+          </a:solidFill>
+          <a:ln w="25400">
+            <a:solidFill>
+              <a:schemeClr val="accent2"/>
+            </a:solidFill>
+            <a:prstDash val="dash"/>
+          </a:ln>
+        </p:spPr>
+        <p:style>
+          <a:lnRef idx="2">
+            <a:schemeClr val="accent1">
+              <a:shade val="50000"/>
+            </a:schemeClr>
+          </a:lnRef>
+          <a:fillRef idx="1">
+            <a:schemeClr val="accent1"/>
+          </a:fillRef>
+          <a:effectRef idx="0">
+            <a:schemeClr val="accent1"/>
+          </a:effectRef>
+          <a:fontRef idx="minor">
+            <a:schemeClr val="lt1"/>
+          </a:fontRef>
+        </p:style>
+        <p:txBody>
+          <a:bodyPr rtlCol="0" anchor="ctr"/>
+          <a:lstStyle/>
+          <a:p>
+            <a:pPr marL="0" marR="0" lvl="0" indent="0" algn="ctr" defTabSz="914400" rtl="0" eaLnBrk="1" fontAlgn="auto" latinLnBrk="1" hangingPunct="1">
+              <a:lnSpc>
+                <a:spcPct val="100000"/>
+              </a:lnSpc>
+              <a:spcBef>
+                <a:spcPts val="0"/>
+              </a:spcBef>
+              <a:spcAft>
+                <a:spcPts val="0"/>
+              </a:spcAft>
+              <a:buClrTx/>
+              <a:buSzTx/>
+              <a:buFontTx/>
+              <a:buNone/>
+              <a:tabLst/>
+              <a:defRPr/>
+            </a:pPr>
+            <a:endParaRPr kumimoji="0" lang="ko-KR" altLang="en-US" sz="1800" b="0" i="0" u="none" strike="noStrike" kern="1200" cap="none" spc="0" normalizeH="0" baseline="0" noProof="0">
+              <a:ln>
+                <a:noFill/>
+              </a:ln>
+              <a:solidFill>
+                <a:prstClr val="white"/>
+              </a:solidFill>
+              <a:effectLst/>
+              <a:uLnTx/>
+              <a:uFillTx/>
+              <a:latin typeface="SamsungOne 400"/>
+              <a:cs typeface="+mn-cs"/>
+            </a:endParaRPr>
+          </a:p>
+        </p:txBody>
+      </p:sp>
+      <p:sp>
+        <p:nvSpPr>
+          <p:cNvPr id="258" name="직사각형 257">
+            <a:extLst>
+              <a:ext uri="{FF2B5EF4-FFF2-40B4-BE49-F238E27FC236}">
+                <a16:creationId xmlns:a16="http://schemas.microsoft.com/office/drawing/2014/main" id="{E72EA979-1D30-AC17-A4C4-E69F686D7837}"/>
+              </a:ext>
+            </a:extLst>
+          </p:cNvPr>
+          <p:cNvSpPr/>
+          <p:nvPr/>
+        </p:nvSpPr>
+        <p:spPr>
+          <a:xfrm>
+            <a:off x="7198789" y="4858048"/>
+            <a:ext cx="2367926" cy="728914"/>
+          </a:xfrm>
+          <a:prstGeom prst="rect">
+            <a:avLst/>
+          </a:prstGeom>
+          <a:solidFill>
+            <a:srgbClr val="FBAD18"/>
+          </a:solidFill>
+          <a:ln>
+            <a:noFill/>
+          </a:ln>
+        </p:spPr>
+        <p:style>
+          <a:lnRef idx="2">
+            <a:schemeClr val="accent1">
+              <a:shade val="50000"/>
+            </a:schemeClr>
+          </a:lnRef>
+          <a:fillRef idx="1">
+            <a:schemeClr val="accent1"/>
+          </a:fillRef>
+          <a:effectRef idx="0">
+            <a:schemeClr val="accent1"/>
+          </a:effectRef>
+          <a:fontRef idx="minor">
+            <a:schemeClr val="lt1"/>
+          </a:fontRef>
+        </p:style>
+        <p:txBody>
+          <a:bodyPr rtlCol="0" anchor="ctr"/>
+          <a:lstStyle/>
+          <a:p>
+            <a:pPr marL="0" marR="0" lvl="0" indent="0" defTabSz="914400" rtl="0" eaLnBrk="1" fontAlgn="auto" latinLnBrk="1" hangingPunct="1">
+              <a:lnSpc>
+                <a:spcPct val="100000"/>
+              </a:lnSpc>
+              <a:spcBef>
+                <a:spcPts val="0"/>
+              </a:spcBef>
+              <a:spcAft>
+                <a:spcPts val="0"/>
+              </a:spcAft>
+              <a:buClrTx/>
+              <a:buSzTx/>
+              <a:buFontTx/>
+              <a:buNone/>
+              <a:tabLst/>
+              <a:defRPr/>
+            </a:pPr>
+            <a:r>
+              <a:rPr lang="en-US" altLang="ko-KR" sz="1200" b="1" dirty="0">
+                <a:solidFill>
+                  <a:prstClr val="black">
+                    <a:lumMod val="85000"/>
+                    <a:lumOff val="15000"/>
+                  </a:prstClr>
+                </a:solidFill>
+                <a:latin typeface="맑은 고딕"/>
+                <a:ea typeface="맑은 고딕"/>
+              </a:rPr>
+              <a:t>Apache Camel </a:t>
+            </a:r>
+            <a:r>
+              <a:rPr lang="ko-KR" altLang="en-US" sz="1200" b="1" dirty="0">
+                <a:solidFill>
+                  <a:prstClr val="black">
+                    <a:lumMod val="85000"/>
+                    <a:lumOff val="15000"/>
+                  </a:prstClr>
+                </a:solidFill>
+                <a:latin typeface="맑은 고딕"/>
+                <a:ea typeface="맑은 고딕"/>
+              </a:rPr>
+              <a:t>서비스 구현</a:t>
+            </a:r>
+            <a:endParaRPr lang="en-US" altLang="ko-KR" sz="1200" b="1" dirty="0">
+              <a:solidFill>
+                <a:prstClr val="black">
+                  <a:lumMod val="85000"/>
+                  <a:lumOff val="15000"/>
+                </a:prstClr>
+              </a:solidFill>
+              <a:latin typeface="맑은 고딕"/>
+              <a:ea typeface="맑은 고딕"/>
+            </a:endParaRPr>
+          </a:p>
+        </p:txBody>
+      </p:sp>
+      <p:sp>
+        <p:nvSpPr>
+          <p:cNvPr id="259" name="직사각형 258">
+            <a:extLst>
+              <a:ext uri="{FF2B5EF4-FFF2-40B4-BE49-F238E27FC236}">
+                <a16:creationId xmlns:a16="http://schemas.microsoft.com/office/drawing/2014/main" id="{60ED6D4B-33EA-9EFF-9417-1F1A054AA452}"/>
+              </a:ext>
+            </a:extLst>
+          </p:cNvPr>
+          <p:cNvSpPr/>
+          <p:nvPr/>
+        </p:nvSpPr>
+        <p:spPr>
+          <a:xfrm>
+            <a:off x="7351188" y="5574862"/>
+            <a:ext cx="4468724" cy="1092607"/>
+          </a:xfrm>
+          <a:prstGeom prst="rect">
+            <a:avLst/>
+          </a:prstGeom>
+        </p:spPr>
+        <p:txBody>
+          <a:bodyPr wrap="square">
+            <a:spAutoFit/>
+          </a:bodyPr>
+          <a:lstStyle/>
+          <a:p>
+            <a:pPr marL="151200" marR="0" lvl="1" indent="-151200" algn="l" defTabSz="957769" rtl="0" eaLnBrk="1" fontAlgn="auto" latinLnBrk="0" hangingPunct="1">
+              <a:lnSpc>
+                <a:spcPct val="100000"/>
+              </a:lnSpc>
+              <a:spcBef>
+                <a:spcPts val="600"/>
+              </a:spcBef>
+              <a:spcAft>
+                <a:spcPts val="0"/>
+              </a:spcAft>
+              <a:buClrTx/>
+              <a:buSzTx/>
+              <a:buFont typeface="Arial" pitchFamily="34" charset="0"/>
+              <a:buChar char="•"/>
+              <a:tabLst/>
+              <a:defRPr/>
+            </a:pPr>
+            <a:r>
+              <a:rPr kumimoji="0" lang="ko-KR" altLang="en-US" sz="1200" b="1" i="0" u="none" strike="noStrike" kern="0" cap="none" spc="0" normalizeH="0" baseline="0" noProof="0" dirty="0">
+                <a:ln>
+                  <a:noFill/>
+                </a:ln>
+                <a:solidFill>
+                  <a:srgbClr val="000000"/>
+                </a:solidFill>
+                <a:effectLst/>
+                <a:uLnTx/>
+                <a:uFillTx/>
+                <a:latin typeface="SamsungOne 400"/>
+                <a:cs typeface="+mn-cs"/>
+                <a:sym typeface="Wingdings" pitchFamily="2" charset="2"/>
+              </a:rPr>
+              <a:t>코드 변경 없이도 규칙 및 라우팅 수정 가능하여 유지 보수 과정을 간소화</a:t>
+            </a:r>
+            <a:r>
+              <a:rPr kumimoji="0" lang="en-US" altLang="ko-KR" sz="1200" b="1" i="0" u="none" strike="noStrike" kern="0" cap="none" spc="0" normalizeH="0" baseline="0" noProof="0" dirty="0">
+                <a:ln>
+                  <a:noFill/>
+                </a:ln>
+                <a:solidFill>
+                  <a:srgbClr val="000000"/>
+                </a:solidFill>
+                <a:effectLst/>
+                <a:uLnTx/>
+                <a:uFillTx/>
+                <a:latin typeface="SamsungOne 400"/>
+                <a:cs typeface="+mn-cs"/>
+                <a:sym typeface="Wingdings" pitchFamily="2" charset="2"/>
+              </a:rPr>
+              <a:t>, </a:t>
+            </a:r>
+            <a:r>
+              <a:rPr kumimoji="0" lang="ko-KR" altLang="en-US" sz="1200" b="1" i="0" u="none" strike="noStrike" kern="0" cap="none" spc="0" normalizeH="0" baseline="0" noProof="0" dirty="0">
+                <a:ln>
+                  <a:noFill/>
+                </a:ln>
+                <a:solidFill>
+                  <a:srgbClr val="000000"/>
+                </a:solidFill>
+                <a:effectLst/>
+                <a:uLnTx/>
+                <a:uFillTx/>
+                <a:latin typeface="SamsungOne 400"/>
+                <a:cs typeface="+mn-cs"/>
+                <a:sym typeface="Wingdings" pitchFamily="2" charset="2"/>
+              </a:rPr>
+              <a:t>애플리케이션의 유연성과 확장성 향상</a:t>
+            </a:r>
+            <a:endParaRPr kumimoji="0" lang="en-US" altLang="ko-KR" sz="1200" b="1" i="0" u="none" strike="noStrike" kern="0" cap="none" spc="0" normalizeH="0" baseline="0" noProof="0" dirty="0">
+              <a:ln>
+                <a:noFill/>
+              </a:ln>
+              <a:solidFill>
+                <a:srgbClr val="000000"/>
+              </a:solidFill>
+              <a:effectLst/>
+              <a:uLnTx/>
+              <a:uFillTx/>
+              <a:latin typeface="SamsungOne 400"/>
+              <a:cs typeface="+mn-cs"/>
+              <a:sym typeface="Wingdings" pitchFamily="2" charset="2"/>
+            </a:endParaRPr>
+          </a:p>
+          <a:p>
+            <a:pPr marL="151200" marR="0" lvl="1" indent="-151200" algn="l" defTabSz="957769" rtl="0" eaLnBrk="1" fontAlgn="auto" latinLnBrk="0" hangingPunct="1">
+              <a:lnSpc>
+                <a:spcPct val="100000"/>
+              </a:lnSpc>
+              <a:spcBef>
+                <a:spcPts val="600"/>
+              </a:spcBef>
+              <a:spcAft>
+                <a:spcPts val="0"/>
+              </a:spcAft>
+              <a:buClrTx/>
+              <a:buSzTx/>
+              <a:buFont typeface="Arial" pitchFamily="34" charset="0"/>
+              <a:buChar char="•"/>
+              <a:tabLst/>
+              <a:defRPr/>
+            </a:pPr>
+            <a:r>
+              <a:rPr kumimoji="0" lang="en-US" altLang="ko-KR" sz="1200" b="1" i="0" u="none" strike="noStrike" kern="0" cap="none" spc="0" normalizeH="0" baseline="0" noProof="0" dirty="0">
+                <a:ln>
+                  <a:noFill/>
+                </a:ln>
+                <a:solidFill>
+                  <a:srgbClr val="000000"/>
+                </a:solidFill>
+                <a:effectLst/>
+                <a:uLnTx/>
+                <a:uFillTx/>
+                <a:latin typeface="SamsungOne 400"/>
+                <a:cs typeface="+mn-cs"/>
+                <a:sym typeface="Wingdings" pitchFamily="2" charset="2"/>
+              </a:rPr>
+              <a:t>EIP</a:t>
+            </a:r>
+            <a:r>
+              <a:rPr kumimoji="0" lang="ko-KR" altLang="en-US" sz="1200" b="1" i="0" u="none" strike="noStrike" kern="0" cap="none" spc="0" normalizeH="0" baseline="0" noProof="0" dirty="0">
+                <a:ln>
+                  <a:noFill/>
+                </a:ln>
+                <a:solidFill>
+                  <a:srgbClr val="000000"/>
+                </a:solidFill>
+                <a:effectLst/>
+                <a:uLnTx/>
+                <a:uFillTx/>
+                <a:latin typeface="SamsungOne 400"/>
+                <a:cs typeface="+mn-cs"/>
+                <a:sym typeface="Wingdings" pitchFamily="2" charset="2"/>
+              </a:rPr>
+              <a:t>와 유연한 라우팅 기능을 제공하여 애플리케이션의 통합 구현을 쉽고 빠르게 </a:t>
+            </a:r>
+            <a:r>
+              <a:rPr lang="ko-KR" altLang="en-US" sz="1200" b="1" kern="0" dirty="0">
+                <a:solidFill>
+                  <a:srgbClr val="000000"/>
+                </a:solidFill>
+                <a:latin typeface="SamsungOne 400"/>
+                <a:sym typeface="Wingdings" pitchFamily="2" charset="2"/>
+              </a:rPr>
+              <a:t>가능</a:t>
+            </a:r>
+            <a:r>
+              <a:rPr lang="en-US" altLang="ko-KR" sz="1200" b="1" kern="0" dirty="0">
+                <a:solidFill>
+                  <a:srgbClr val="000000"/>
+                </a:solidFill>
+                <a:latin typeface="SamsungOne 400"/>
+                <a:sym typeface="Wingdings" pitchFamily="2" charset="2"/>
+              </a:rPr>
+              <a:t>, </a:t>
+            </a:r>
+            <a:r>
+              <a:rPr kumimoji="0" lang="ko-KR" altLang="en-US" sz="1200" b="1" i="0" u="none" strike="noStrike" kern="0" cap="none" spc="0" normalizeH="0" baseline="0" noProof="0" dirty="0">
+                <a:ln>
+                  <a:noFill/>
+                </a:ln>
+                <a:solidFill>
+                  <a:srgbClr val="000000"/>
+                </a:solidFill>
+                <a:effectLst/>
+                <a:uLnTx/>
+                <a:uFillTx/>
+                <a:latin typeface="SamsungOne 400"/>
+                <a:cs typeface="+mn-cs"/>
+                <a:sym typeface="Wingdings" pitchFamily="2" charset="2"/>
+              </a:rPr>
+              <a:t>개발 시 코드 작성 및 디버깅 시간을 절약하고</a:t>
+            </a:r>
+            <a:r>
+              <a:rPr kumimoji="0" lang="en-US" altLang="ko-KR" sz="1200" b="1" i="0" u="none" strike="noStrike" kern="0" cap="none" spc="0" normalizeH="0" baseline="0" noProof="0" dirty="0">
+                <a:ln>
+                  <a:noFill/>
+                </a:ln>
+                <a:solidFill>
+                  <a:srgbClr val="000000"/>
+                </a:solidFill>
+                <a:effectLst/>
+                <a:uLnTx/>
+                <a:uFillTx/>
+                <a:latin typeface="SamsungOne 400"/>
+                <a:cs typeface="+mn-cs"/>
+                <a:sym typeface="Wingdings" pitchFamily="2" charset="2"/>
+              </a:rPr>
+              <a:t>, </a:t>
+            </a:r>
+            <a:r>
+              <a:rPr kumimoji="0" lang="ko-KR" altLang="en-US" sz="1200" b="1" i="0" u="none" strike="noStrike" kern="0" cap="none" spc="0" normalizeH="0" baseline="0" noProof="0" dirty="0">
+                <a:ln>
+                  <a:noFill/>
+                </a:ln>
+                <a:solidFill>
+                  <a:srgbClr val="000000"/>
+                </a:solidFill>
+                <a:effectLst/>
+                <a:uLnTx/>
+                <a:uFillTx/>
+                <a:latin typeface="SamsungOne 400"/>
+                <a:cs typeface="+mn-cs"/>
+                <a:sym typeface="Wingdings" pitchFamily="2" charset="2"/>
+              </a:rPr>
+              <a:t>애플리케이션 개발 생산성을 향상</a:t>
+            </a:r>
+            <a:endParaRPr kumimoji="0" lang="en-US" altLang="ko-KR" sz="1200" b="1" i="0" u="none" strike="noStrike" kern="0" cap="none" spc="0" normalizeH="0" baseline="0" noProof="0" dirty="0">
+              <a:ln>
+                <a:noFill/>
+              </a:ln>
+              <a:solidFill>
+                <a:srgbClr val="000000"/>
+              </a:solidFill>
+              <a:effectLst/>
+              <a:uLnTx/>
+              <a:uFillTx/>
+              <a:latin typeface="SamsungOne 400"/>
+              <a:cs typeface="+mn-cs"/>
+              <a:sym typeface="Wingdings" pitchFamily="2" charset="2"/>
+            </a:endParaRPr>
+          </a:p>
+        </p:txBody>
+      </p:sp>
     </p:spTree>
     <p:extLst>
       <p:ext uri="{BB962C8B-B14F-4D97-AF65-F5344CB8AC3E}">
@@ -25007,7 +25774,7 @@
                 </a:solidFill>
                 <a:latin typeface="+mj-lt"/>
               </a:rPr>
-              <a:t>2. Apache Camel </a:t>
+              <a:t>4. Apache Camel </a:t>
             </a:r>
             <a:r>
               <a:rPr lang="ko-KR" altLang="en-US" dirty="0">
@@ -25116,7 +25883,7 @@
         <p:spPr>
           <a:xfrm>
             <a:off x="2993709" y="5645245"/>
-            <a:ext cx="3029433" cy="800219"/>
+            <a:ext cx="4519795" cy="907941"/>
           </a:xfrm>
           <a:prstGeom prst="rect">
             <a:avLst/>
@@ -25128,21 +25895,12 @@
           </a:bodyPr>
           <a:lstStyle/>
           <a:p>
-            <a:pPr marL="151200" marR="0" lvl="1" indent="-151200" algn="l" defTabSz="957769" rtl="0" eaLnBrk="1" fontAlgn="auto" latinLnBrk="0" hangingPunct="1">
-              <a:lnSpc>
-                <a:spcPct val="100000"/>
-              </a:lnSpc>
+            <a:pPr marL="151200" lvl="1" indent="-151200" defTabSz="957769" latinLnBrk="0">
               <a:spcBef>
                 <a:spcPts val="600"/>
               </a:spcBef>
-              <a:spcAft>
-                <a:spcPts val="0"/>
-              </a:spcAft>
-              <a:buClrTx/>
-              <a:buSzTx/>
               <a:buFont typeface="Arial" pitchFamily="34" charset="0"/>
               <a:buChar char="•"/>
-              <a:tabLst/>
               <a:defRPr/>
             </a:pPr>
             <a:r>
@@ -25160,7 +25918,75 @@
                 <a:cs typeface="+mn-cs"/>
                 <a:sym typeface="Wingdings" pitchFamily="2" charset="2"/>
               </a:rPr>
-              <a:t>콘텐츠를 기반 데이터 라우팅</a:t>
+              <a:t>프로토콜</a:t>
+            </a:r>
+            <a:r>
+              <a:rPr kumimoji="0" lang="en-US" altLang="ko-KR" sz="1200" b="1" i="0" u="none" strike="noStrike" kern="0" cap="none" spc="0" normalizeH="0" baseline="0" noProof="0" dirty="0">
+                <a:ln>
+                  <a:noFill/>
+                </a:ln>
+                <a:solidFill>
+                  <a:srgbClr val="000000"/>
+                </a:solidFill>
+                <a:effectLst/>
+                <a:uLnTx/>
+                <a:uFillTx/>
+                <a:latin typeface="SamsungOne 400"/>
+                <a:cs typeface="+mn-cs"/>
+                <a:sym typeface="Wingdings" pitchFamily="2" charset="2"/>
+              </a:rPr>
+              <a:t>, </a:t>
+            </a:r>
+            <a:r>
+              <a:rPr kumimoji="0" lang="ko-KR" altLang="en-US" sz="1200" b="1" i="0" u="none" strike="noStrike" kern="0" cap="none" spc="0" normalizeH="0" baseline="0" noProof="0" dirty="0">
+                <a:ln>
+                  <a:noFill/>
+                </a:ln>
+                <a:solidFill>
+                  <a:srgbClr val="000000"/>
+                </a:solidFill>
+                <a:effectLst/>
+                <a:uLnTx/>
+                <a:uFillTx/>
+                <a:latin typeface="SamsungOne 400"/>
+                <a:cs typeface="+mn-cs"/>
+                <a:sym typeface="Wingdings" pitchFamily="2" charset="2"/>
+              </a:rPr>
+              <a:t>메시지 전 처리 및 후 처리를 위한 트랜스포트</a:t>
+            </a:r>
+            <a:r>
+              <a:rPr kumimoji="0" lang="en-US" altLang="ko-KR" sz="1200" b="1" i="0" u="none" strike="noStrike" kern="0" cap="none" spc="0" normalizeH="0" baseline="0" noProof="0" dirty="0">
+                <a:ln>
+                  <a:noFill/>
+                </a:ln>
+                <a:solidFill>
+                  <a:srgbClr val="000000"/>
+                </a:solidFill>
+                <a:effectLst/>
+                <a:uLnTx/>
+                <a:uFillTx/>
+                <a:latin typeface="SamsungOne 400"/>
+                <a:cs typeface="+mn-cs"/>
+                <a:sym typeface="Wingdings" pitchFamily="2" charset="2"/>
+              </a:rPr>
+              <a:t>, </a:t>
+            </a:r>
+            <a:r>
+              <a:rPr kumimoji="0" lang="ko-KR" altLang="en-US" sz="1200" b="1" i="0" u="none" strike="noStrike" kern="0" cap="none" spc="0" normalizeH="0" baseline="0" noProof="0" dirty="0">
+                <a:ln>
+                  <a:noFill/>
+                </a:ln>
+                <a:solidFill>
+                  <a:srgbClr val="000000"/>
+                </a:solidFill>
+                <a:effectLst/>
+                <a:uLnTx/>
+                <a:uFillTx/>
+                <a:latin typeface="SamsungOne 400"/>
+                <a:cs typeface="+mn-cs"/>
+                <a:sym typeface="Wingdings" pitchFamily="2" charset="2"/>
+              </a:rPr>
+              <a:t>데이터 포맷 등을 지원함</a:t>
             </a:r>
             <a:endParaRPr kumimoji="0" lang="en-US" altLang="ko-KR" sz="1200" b="1" i="0" u="none" strike="noStrike" kern="0" cap="none" spc="0" normalizeH="0" baseline="0" noProof="0" dirty="0">
               <a:ln>
@@ -25178,21 +26004,12 @@
             </a:endParaRPr>
           </a:p>
           <a:p>
-            <a:pPr marL="151200" marR="0" lvl="1" indent="-151200" algn="l" defTabSz="957769" rtl="0" eaLnBrk="1" fontAlgn="auto" latinLnBrk="0" hangingPunct="1">
-              <a:lnSpc>
-                <a:spcPct val="100000"/>
-              </a:lnSpc>
+            <a:pPr marL="151200" lvl="1" indent="-151200" defTabSz="957769" latinLnBrk="0">
               <a:spcBef>
                 <a:spcPts val="600"/>
               </a:spcBef>
-              <a:spcAft>
-                <a:spcPts val="0"/>
-              </a:spcAft>
-              <a:buClrTx/>
-              <a:buSzTx/>
               <a:buFont typeface="Arial" pitchFamily="34" charset="0"/>
               <a:buChar char="•"/>
-              <a:tabLst/>
               <a:defRPr/>
             </a:pPr>
             <a:r>
@@ -25208,8 +26025,29 @@
                 <a:uFillTx/>
                 <a:latin typeface="SamsungOne 400"/>
                 <a:cs typeface="+mn-cs"/>
-              </a:rPr>
-              <a:t>오류</a:t>
+                <a:sym typeface="Wingdings" pitchFamily="2" charset="2"/>
+              </a:rPr>
+              <a:t>콘텐츠를 기반 데이터 라우팅</a:t>
+            </a:r>
+            <a:r>
+              <a:rPr lang="en-US" altLang="ko-KR" sz="1200" b="1" kern="0" dirty="0">
+                <a:solidFill>
+                  <a:srgbClr val="000000"/>
+                </a:solidFill>
+                <a:latin typeface="SamsungOne 400"/>
+                <a:sym typeface="Wingdings" pitchFamily="2" charset="2"/>
+              </a:rPr>
+              <a:t> </a:t>
+            </a:r>
+            <a:r>
+              <a:rPr lang="ko-KR" altLang="en-US" sz="1200" b="1" kern="0" dirty="0">
+                <a:solidFill>
+                  <a:srgbClr val="000000"/>
+                </a:solidFill>
+                <a:latin typeface="SamsungOne 400"/>
+                <a:sym typeface="Wingdings" pitchFamily="2" charset="2"/>
+              </a:rPr>
+              <a:t>및</a:t>
             </a:r>
             <a:r>
               <a:rPr kumimoji="0" lang="en-US" altLang="ko-KR" sz="1200" b="1" i="0" u="none" strike="noStrike" kern="0" cap="none" spc="0" normalizeH="0" baseline="0" noProof="0" dirty="0">
@@ -25224,8 +26062,9 @@
                 <a:uFillTx/>
                 <a:latin typeface="SamsungOne 400"/>
                 <a:cs typeface="+mn-cs"/>
-              </a:rPr>
-              <a:t>, </a:t>
+                <a:sym typeface="Wingdings" pitchFamily="2" charset="2"/>
+              </a:rPr>
+              <a:t> </a:t>
             </a:r>
             <a:r>
               <a:rPr kumimoji="0" lang="ko-KR" altLang="en-US" sz="1200" b="1" i="0" u="none" strike="noStrike" kern="0" cap="none" spc="0" normalizeH="0" baseline="0" noProof="0" dirty="0">
@@ -25241,9 +26080,136 @@
                 <a:latin typeface="SamsungOne 400"/>
                 <a:cs typeface="+mn-cs"/>
               </a:rPr>
+              <a:t>오류</a:t>
+            </a:r>
+            <a:r>
+              <a:rPr kumimoji="0" lang="en-US" altLang="ko-KR" sz="1200" b="1" i="0" u="none" strike="noStrike" kern="0" cap="none" spc="0" normalizeH="0" baseline="0" noProof="0" dirty="0">
+                <a:ln>
+                  <a:noFill/>
+                </a:ln>
+                <a:solidFill>
+                  <a:srgbClr val="000000"/>
+                </a:solidFill>
+                <a:effectLst/>
+                <a:uLnTx/>
+                <a:uFillTx/>
+                <a:latin typeface="SamsungOne 400"/>
+                <a:cs typeface="+mn-cs"/>
+              </a:rPr>
+              <a:t>, </a:t>
+            </a:r>
+            <a:r>
+              <a:rPr kumimoji="0" lang="ko-KR" altLang="en-US" sz="1200" b="1" i="0" u="none" strike="noStrike" kern="0" cap="none" spc="0" normalizeH="0" baseline="0" noProof="0" dirty="0">
+                <a:ln>
+                  <a:noFill/>
+                </a:ln>
+                <a:solidFill>
+                  <a:srgbClr val="000000"/>
+                </a:solidFill>
+                <a:effectLst/>
+                <a:uLnTx/>
+                <a:uFillTx/>
+                <a:latin typeface="SamsungOne 400"/>
+                <a:cs typeface="+mn-cs"/>
+              </a:rPr>
               <a:t>트랜잭션 및 롤백 처리 기능</a:t>
             </a:r>
-            <a:endParaRPr kumimoji="0" lang="en-US" altLang="ko-KR" sz="1200" b="1" i="0" u="none" strike="noStrike" kern="0" cap="none" spc="0" normalizeH="0" baseline="0" noProof="0" dirty="0">
+            <a:r>
+              <a:rPr lang="en-US" altLang="ko-KR" sz="1200" b="1" kern="0" dirty="0">
+                <a:solidFill>
+                  <a:srgbClr val="000000"/>
+                </a:solidFill>
+                <a:latin typeface="SamsungOne 400"/>
+              </a:rPr>
+              <a:t>, </a:t>
+            </a:r>
+            <a:r>
+              <a:rPr kumimoji="0" lang="ko-KR" altLang="en-US" sz="1200" b="1" i="0" u="none" strike="noStrike" kern="0" cap="none" spc="0" normalizeH="0" baseline="0" noProof="0" dirty="0">
+                <a:ln>
+                  <a:noFill/>
+                </a:ln>
+                <a:solidFill>
+                  <a:srgbClr val="000000"/>
+                </a:solidFill>
+                <a:effectLst/>
+                <a:uLnTx/>
+                <a:uFillTx/>
+                <a:latin typeface="SamsungOne 400"/>
+                <a:cs typeface="+mn-cs"/>
+              </a:rPr>
+              <a:t>데이터 변환 기능</a:t>
+            </a:r>
+            <a:r>
+              <a:rPr kumimoji="0" lang="en-US" altLang="ko-KR" sz="1200" b="1" i="0" u="none" strike="noStrike" kern="0" cap="none" spc="0" normalizeH="0" baseline="0" noProof="0" dirty="0">
+                <a:ln>
+                  <a:noFill/>
+                </a:ln>
+                <a:solidFill>
+                  <a:srgbClr val="000000"/>
+                </a:solidFill>
+                <a:effectLst/>
+                <a:uLnTx/>
+                <a:uFillTx/>
+                <a:latin typeface="SamsungOne 400"/>
+                <a:cs typeface="+mn-cs"/>
+              </a:rPr>
+              <a:t>, </a:t>
+            </a:r>
+            <a:r>
+              <a:rPr kumimoji="0" lang="ko-KR" altLang="en-US" sz="1200" b="1" i="0" u="none" strike="noStrike" kern="0" cap="none" spc="0" normalizeH="0" baseline="0" noProof="0" dirty="0">
+                <a:ln>
+                  <a:noFill/>
+                </a:ln>
+                <a:solidFill>
+                  <a:srgbClr val="000000"/>
+                </a:solidFill>
+                <a:effectLst/>
+                <a:uLnTx/>
+                <a:uFillTx/>
+                <a:latin typeface="SamsungOne 400"/>
+                <a:cs typeface="+mn-cs"/>
+                <a:sym typeface="Wingdings" pitchFamily="2" charset="2"/>
+              </a:rPr>
+              <a:t>데이터 </a:t>
+            </a:r>
+            <a:r>
+              <a:rPr kumimoji="0" lang="ko-KR" altLang="en-US" sz="1200" b="1" i="0" u="none" strike="noStrike" kern="0" cap="none" spc="0" normalizeH="0" baseline="0" noProof="0" dirty="0" err="1">
+                <a:ln>
+                  <a:noFill/>
+                </a:ln>
+                <a:solidFill>
+                  <a:srgbClr val="000000"/>
+                </a:solidFill>
+                <a:effectLst/>
+                <a:uLnTx/>
+                <a:uFillTx/>
+                <a:latin typeface="SamsungOne 400"/>
+                <a:cs typeface="+mn-cs"/>
+                <a:sym typeface="Wingdings" pitchFamily="2" charset="2"/>
+              </a:rPr>
+              <a:t>캐싱</a:t>
+            </a:r>
+            <a:r>
+              <a:rPr lang="en-US" altLang="ko-KR" sz="1200" b="1" kern="0" dirty="0">
+                <a:solidFill>
+                  <a:srgbClr val="000000"/>
+                </a:solidFill>
+                <a:latin typeface="SamsungOne 400"/>
+                <a:sym typeface="Wingdings" pitchFamily="2" charset="2"/>
+              </a:rPr>
+              <a:t>, </a:t>
+            </a:r>
+            <a:r>
+              <a:rPr lang="ko-KR" altLang="en-US" sz="1200" b="1" kern="0" dirty="0">
+                <a:solidFill>
+                  <a:srgbClr val="000000"/>
+                </a:solidFill>
+                <a:latin typeface="SamsungOne 400"/>
+                <a:sym typeface="Wingdings" pitchFamily="2" charset="2"/>
+              </a:rPr>
+              <a:t>암호화 및 인증 기능 제공</a:t>
+            </a:r>
+            <a:endParaRPr kumimoji="0" lang="ko-KR" altLang="en-US" sz="1200" b="1" i="0" u="none" strike="noStrike" kern="0" cap="none" spc="0" normalizeH="0" baseline="0" noProof="0" dirty="0">
               <a:ln>
                 <a:noFill/>
               </a:ln>
@@ -25256,41 +26222,6 @@
               <a:latin typeface="SamsungOne 400"/>
               <a:cs typeface="+mn-cs"/>
             </a:endParaRPr>
-          </a:p>
-          <a:p>
-            <a:pPr marL="151200" marR="0" lvl="1" indent="-151200" algn="l" defTabSz="957769" rtl="0" eaLnBrk="1" fontAlgn="auto" latinLnBrk="0" hangingPunct="1">
-              <a:lnSpc>
-                <a:spcPct val="100000"/>
-              </a:lnSpc>
-              <a:spcBef>
-                <a:spcPts val="600"/>
-              </a:spcBef>
-              <a:spcAft>
-                <a:spcPts val="0"/>
-              </a:spcAft>
-              <a:buClrTx/>
-              <a:buSzTx/>
-              <a:buFont typeface="Arial" pitchFamily="34" charset="0"/>
-              <a:buChar char="•"/>
-              <a:tabLst/>
-              <a:defRPr/>
-            </a:pPr>
-            <a:r>
-              <a:rPr kumimoji="0" lang="ko-KR" altLang="en-US" sz="1200" b="1" i="0" u="none" strike="noStrike" kern="0" cap="none" spc="0" normalizeH="0" baseline="0" noProof="0" dirty="0">
-                <a:ln>
-                  <a:noFill/>
-                </a:ln>
-                <a:solidFill>
-                  <a:srgbClr val="000000"/>
-                </a:solidFill>
-                <a:effectLst/>
-                <a:uLnTx/>
-                <a:uFillTx/>
-                <a:latin typeface="SamsungOne 400"/>
-                <a:cs typeface="+mn-cs"/>
-              </a:rPr>
-              <a:t>데이터 변환 기능</a:t>
-            </a:r>
           </a:p>
         </p:txBody>
       </p:sp>
@@ -30030,8 +30961,8 @@
         </p:nvSpPr>
         <p:spPr>
           <a:xfrm>
-            <a:off x="5838270" y="5645245"/>
-            <a:ext cx="3029433" cy="538609"/>
+            <a:off x="7689101" y="5645245"/>
+            <a:ext cx="3903191" cy="907941"/>
           </a:xfrm>
           <a:prstGeom prst="rect">
             <a:avLst/>
@@ -30043,21 +30974,12 @@
           </a:bodyPr>
           <a:lstStyle/>
           <a:p>
-            <a:pPr marL="151200" marR="0" lvl="1" indent="-151200" algn="l" defTabSz="957769" rtl="0" eaLnBrk="1" fontAlgn="auto" latinLnBrk="0" hangingPunct="1">
-              <a:lnSpc>
-                <a:spcPct val="100000"/>
-              </a:lnSpc>
+            <a:pPr marL="151200" lvl="1" indent="-151200" defTabSz="957769" latinLnBrk="0">
               <a:spcBef>
                 <a:spcPts val="600"/>
               </a:spcBef>
-              <a:spcAft>
-                <a:spcPts val="0"/>
-              </a:spcAft>
-              <a:buClrTx/>
-              <a:buSzTx/>
               <a:buFont typeface="Arial" pitchFamily="34" charset="0"/>
               <a:buChar char="•"/>
-              <a:tabLst/>
               <a:defRPr/>
             </a:pPr>
             <a:r>
@@ -30075,7 +30997,7 @@
                 <a:cs typeface="+mn-cs"/>
                 <a:sym typeface="Wingdings" pitchFamily="2" charset="2"/>
               </a:rPr>
-              <a:t>자주 액세스하는 데이터 </a:t>
+              <a:t>어플리케이션 통합에 맞게 </a:t>
             </a:r>
             <a:r>
               <a:rPr kumimoji="0" lang="ko-KR" altLang="en-US" sz="1200" b="1" i="0" u="none" strike="noStrike" kern="0" cap="none" spc="0" normalizeH="0" baseline="0" noProof="0" dirty="0" err="1">
@@ -30092,7 +31014,92 @@
                 <a:cs typeface="+mn-cs"/>
                 <a:sym typeface="Wingdings" pitchFamily="2" charset="2"/>
               </a:rPr>
-              <a:t>캐싱</a:t>
+              <a:t>커스터마이즈된</a:t>
+            </a:r>
+            <a:r>
+              <a:rPr kumimoji="0" lang="ko-KR" altLang="en-US" sz="1200" b="1" i="0" u="none" strike="noStrike" kern="0" cap="none" spc="0" normalizeH="0" baseline="0" noProof="0" dirty="0">
+                <a:ln>
+                  <a:noFill/>
+                </a:ln>
+                <a:solidFill>
+                  <a:srgbClr val="000000"/>
+                </a:solidFill>
+                <a:effectLst/>
+                <a:uLnTx/>
+                <a:uFillTx/>
+                <a:latin typeface="SamsungOne 400"/>
+                <a:cs typeface="+mn-cs"/>
+                <a:sym typeface="Wingdings" pitchFamily="2" charset="2"/>
+              </a:rPr>
+              <a:t> </a:t>
+            </a:r>
+            <a:r>
+              <a:rPr kumimoji="0" lang="en-US" altLang="ko-KR" sz="1200" b="1" i="0" u="none" strike="noStrike" kern="0" cap="none" spc="0" normalizeH="0" baseline="0" noProof="0" dirty="0">
+                <a:ln>
+                  <a:noFill/>
+                </a:ln>
+                <a:solidFill>
+                  <a:srgbClr val="000000"/>
+                </a:solidFill>
+                <a:effectLst/>
+                <a:uLnTx/>
+                <a:uFillTx/>
+                <a:latin typeface="SamsungOne 400"/>
+                <a:cs typeface="+mn-cs"/>
+                <a:sym typeface="Wingdings" pitchFamily="2" charset="2"/>
+              </a:rPr>
+              <a:t>Domain Specific Language (DSL. </a:t>
+            </a:r>
+            <a:r>
+              <a:rPr kumimoji="0" lang="ko-KR" altLang="en-US" sz="1200" b="1" i="0" u="none" strike="noStrike" kern="0" cap="none" spc="0" normalizeH="0" baseline="0" noProof="0" dirty="0">
+                <a:ln>
+                  <a:noFill/>
+                </a:ln>
+                <a:solidFill>
+                  <a:srgbClr val="000000"/>
+                </a:solidFill>
+                <a:effectLst/>
+                <a:uLnTx/>
+                <a:uFillTx/>
+                <a:latin typeface="SamsungOne 400"/>
+                <a:cs typeface="+mn-cs"/>
+                <a:sym typeface="Wingdings" pitchFamily="2" charset="2"/>
+              </a:rPr>
+              <a:t>도메인 특화 언어</a:t>
+            </a:r>
+            <a:r>
+              <a:rPr kumimoji="0" lang="en-US" altLang="ko-KR" sz="1200" b="1" i="0" u="none" strike="noStrike" kern="0" cap="none" spc="0" normalizeH="0" baseline="0" noProof="0" dirty="0">
+                <a:ln>
+                  <a:noFill/>
+                </a:ln>
+                <a:solidFill>
+                  <a:srgbClr val="000000"/>
+                </a:solidFill>
+                <a:effectLst/>
+                <a:uLnTx/>
+                <a:uFillTx/>
+                <a:latin typeface="SamsungOne 400"/>
+                <a:cs typeface="+mn-cs"/>
+                <a:sym typeface="Wingdings" pitchFamily="2" charset="2"/>
+              </a:rPr>
+              <a:t>)</a:t>
+            </a:r>
+            <a:r>
+              <a:rPr kumimoji="0" lang="ko-KR" altLang="en-US" sz="1200" b="1" i="0" u="none" strike="noStrike" kern="0" cap="none" spc="0" normalizeH="0" baseline="0" noProof="0" dirty="0">
+                <a:ln>
+                  <a:noFill/>
+                </a:ln>
+                <a:solidFill>
+                  <a:srgbClr val="000000"/>
+                </a:solidFill>
+                <a:effectLst/>
+                <a:uLnTx/>
+                <a:uFillTx/>
+                <a:latin typeface="SamsungOne 400"/>
+                <a:cs typeface="+mn-cs"/>
+                <a:sym typeface="Wingdings" pitchFamily="2" charset="2"/>
+              </a:rPr>
+              <a:t>를 제공</a:t>
             </a:r>
             <a:endParaRPr kumimoji="0" lang="en-US" altLang="ko-KR" sz="1200" b="1" i="0" u="none" strike="noStrike" kern="0" cap="none" spc="0" normalizeH="0" baseline="0" noProof="0" dirty="0">
               <a:ln>
@@ -30110,21 +31117,12 @@
             </a:endParaRPr>
           </a:p>
           <a:p>
-            <a:pPr marL="151200" marR="0" lvl="1" indent="-151200" algn="l" defTabSz="957769" rtl="0" eaLnBrk="1" fontAlgn="auto" latinLnBrk="0" hangingPunct="1">
-              <a:lnSpc>
-                <a:spcPct val="100000"/>
-              </a:lnSpc>
+            <a:pPr marL="151200" lvl="1" indent="-151200" defTabSz="957769" latinLnBrk="0">
               <a:spcBef>
                 <a:spcPts val="600"/>
               </a:spcBef>
-              <a:spcAft>
-                <a:spcPts val="0"/>
-              </a:spcAft>
-              <a:buClrTx/>
-              <a:buSzTx/>
               <a:buFont typeface="Arial" pitchFamily="34" charset="0"/>
               <a:buChar char="•"/>
-              <a:tabLst/>
               <a:defRPr/>
             </a:pPr>
             <a:r>
@@ -30140,8 +31138,77 @@
                 <a:uFillTx/>
                 <a:latin typeface="SamsungOne 400"/>
                 <a:cs typeface="+mn-cs"/>
-              </a:rPr>
-              <a:t>암호화 및 인증 기능</a:t>
+                <a:sym typeface="Wingdings" pitchFamily="2" charset="2"/>
+              </a:rPr>
+              <a:t>필요에 의해 </a:t>
+            </a:r>
+            <a:r>
+              <a:rPr kumimoji="0" lang="en-US" altLang="ko-KR" sz="1200" b="1" i="0" u="none" strike="noStrike" kern="0" cap="none" spc="0" normalizeH="0" baseline="0" noProof="0" dirty="0">
+                <a:ln>
+                  <a:noFill/>
+                </a:ln>
+                <a:solidFill>
+                  <a:srgbClr val="000000"/>
+                </a:solidFill>
+                <a:effectLst/>
+                <a:uLnTx/>
+                <a:uFillTx/>
+                <a:latin typeface="SamsungOne 400"/>
+                <a:cs typeface="+mn-cs"/>
+                <a:sym typeface="Wingdings" pitchFamily="2" charset="2"/>
+              </a:rPr>
+              <a:t>Kafka, Active </a:t>
+            </a:r>
+            <a:r>
+              <a:rPr kumimoji="0" lang="en-US" altLang="ko-KR" sz="1200" b="1" i="0" u="none" strike="noStrike" kern="0" cap="none" spc="0" normalizeH="0" baseline="0" noProof="0" dirty="0" err="1">
+                <a:ln>
+                  <a:noFill/>
+                </a:ln>
+                <a:solidFill>
+                  <a:srgbClr val="000000"/>
+                </a:solidFill>
+                <a:effectLst/>
+                <a:uLnTx/>
+                <a:uFillTx/>
+                <a:latin typeface="SamsungOne 400"/>
+                <a:cs typeface="+mn-cs"/>
+                <a:sym typeface="Wingdings" pitchFamily="2" charset="2"/>
+              </a:rPr>
+              <a:t>MQ,Jamous</a:t>
+            </a:r>
+            <a:r>
+              <a:rPr kumimoji="0" lang="en-US" altLang="ko-KR" sz="1200" b="1" i="0" u="none" strike="noStrike" kern="0" cap="none" spc="0" normalizeH="0" baseline="0" noProof="0" dirty="0">
+                <a:ln>
+                  <a:noFill/>
+                </a:ln>
+                <a:solidFill>
+                  <a:srgbClr val="000000"/>
+                </a:solidFill>
+                <a:effectLst/>
+                <a:uLnTx/>
+                <a:uFillTx/>
+                <a:latin typeface="SamsungOne 400"/>
+                <a:cs typeface="+mn-cs"/>
+                <a:sym typeface="Wingdings" pitchFamily="2" charset="2"/>
+              </a:rPr>
+              <a:t> </a:t>
+            </a:r>
+            <a:r>
+              <a:rPr kumimoji="0" lang="ko-KR" altLang="en-US" sz="1200" b="1" i="0" u="none" strike="noStrike" kern="0" cap="none" spc="0" normalizeH="0" baseline="0" noProof="0" dirty="0">
+                <a:ln>
+                  <a:noFill/>
+                </a:ln>
+                <a:solidFill>
+                  <a:srgbClr val="000000"/>
+                </a:solidFill>
+                <a:effectLst/>
+                <a:uLnTx/>
+                <a:uFillTx/>
+                <a:latin typeface="SamsungOne 400"/>
+                <a:cs typeface="+mn-cs"/>
+                <a:sym typeface="Wingdings" pitchFamily="2" charset="2"/>
+              </a:rPr>
+              <a:t>등과 쉽게 통합 가능</a:t>
             </a:r>
             <a:endParaRPr kumimoji="0" lang="en-US" altLang="ko-KR" sz="1200" b="1" i="0" u="none" strike="noStrike" kern="0" cap="none" spc="0" normalizeH="0" baseline="0" noProof="0" dirty="0">
               <a:ln>
